--- a/Naresh one Pager.pptx
+++ b/Naresh one Pager.pptx
@@ -125,7 +125,7 @@
       </p14:sectionLst>
     </p:ext>
     <p:ext uri="{EFAFB233-063F-42B5-8137-9DF3F51BA10A}">
-      <p15:sldGuideLst xmlns:p15="http://schemas.microsoft.com/office/powerpoint/2012/main">
+      <p15:sldGuideLst xmlns="" xmlns:p15="http://schemas.microsoft.com/office/powerpoint/2012/main">
         <p15:guide id="5" orient="horz" pos="2341" userDrawn="1">
           <p15:clr>
             <a:srgbClr val="A4A3A4"/>
@@ -139,7 +139,7 @@
       </p15:sldGuideLst>
     </p:ext>
     <p:ext uri="{2D200454-40CA-4A62-9FC3-DE9A4176ACB9}">
-      <p15:notesGuideLst xmlns:p15="http://schemas.microsoft.com/office/powerpoint/2012/main"/>
+      <p15:notesGuideLst xmlns="" xmlns:p15="http://schemas.microsoft.com/office/powerpoint/2012/main"/>
     </p:ext>
   </p:extLst>
 </p:presentation>
@@ -181,7 +181,7 @@
           <p:cNvPr id="2" name="Header Placeholder 1">
             <a:extLst>
               <a:ext uri="{FF2B5EF4-FFF2-40B4-BE49-F238E27FC236}">
-                <a16:creationId xmlns:a16="http://schemas.microsoft.com/office/drawing/2014/main" id="{ED8B6225-3E94-4525-8747-A8CEEE07C472}"/>
+                <a16:creationId xmlns="" xmlns:a16="http://schemas.microsoft.com/office/drawing/2014/main" id="{ED8B6225-3E94-4525-8747-A8CEEE07C472}"/>
               </a:ext>
             </a:extLst>
           </p:cNvPr>
@@ -218,7 +218,7 @@
           <p:cNvPr id="3" name="Date Placeholder 2">
             <a:extLst>
               <a:ext uri="{FF2B5EF4-FFF2-40B4-BE49-F238E27FC236}">
-                <a16:creationId xmlns:a16="http://schemas.microsoft.com/office/drawing/2014/main" id="{1EE33FD8-B984-44FE-83F0-5C989EE62491}"/>
+                <a16:creationId xmlns="" xmlns:a16="http://schemas.microsoft.com/office/drawing/2014/main" id="{1EE33FD8-B984-44FE-83F0-5C989EE62491}"/>
               </a:ext>
             </a:extLst>
           </p:cNvPr>
@@ -249,7 +249,7 @@
             <a:fld id="{86C988DC-9DE3-4390-97AB-D61B85DACE57}" type="datetimeFigureOut">
               <a:rPr lang="pt-PT" sz="900" smtClean="0"/>
               <a:pPr/>
-              <a:t>04/10/2021</a:t>
+              <a:t>12/10/2021</a:t>
             </a:fld>
             <a:endParaRPr lang="pt-PT" sz="900"/>
           </a:p>
@@ -260,7 +260,7 @@
           <p:cNvPr id="4" name="Footer Placeholder 3">
             <a:extLst>
               <a:ext uri="{FF2B5EF4-FFF2-40B4-BE49-F238E27FC236}">
-                <a16:creationId xmlns:a16="http://schemas.microsoft.com/office/drawing/2014/main" id="{88AD1E4F-EFF7-4551-A0B7-35D2A74F4F4D}"/>
+                <a16:creationId xmlns="" xmlns:a16="http://schemas.microsoft.com/office/drawing/2014/main" id="{88AD1E4F-EFF7-4551-A0B7-35D2A74F4F4D}"/>
               </a:ext>
             </a:extLst>
           </p:cNvPr>
@@ -297,7 +297,7 @@
           <p:cNvPr id="5" name="Slide Number Placeholder 4">
             <a:extLst>
               <a:ext uri="{FF2B5EF4-FFF2-40B4-BE49-F238E27FC236}">
-                <a16:creationId xmlns:a16="http://schemas.microsoft.com/office/drawing/2014/main" id="{5C3F35C8-35E9-48DD-971F-B2366CC5B7DE}"/>
+                <a16:creationId xmlns="" xmlns:a16="http://schemas.microsoft.com/office/drawing/2014/main" id="{5C3F35C8-35E9-48DD-971F-B2366CC5B7DE}"/>
               </a:ext>
             </a:extLst>
           </p:cNvPr>
@@ -428,7 +428,7 @@
             <a:fld id="{0835B8F7-DAC4-4931-8AED-4356A8B2FD64}" type="datetimeFigureOut">
               <a:rPr lang="pt-BR" smtClean="0"/>
               <a:pPr/>
-              <a:t>04/10/2021</a:t>
+              <a:t>12/10/2021</a:t>
             </a:fld>
             <a:endParaRPr lang="pt-BR"/>
           </a:p>
@@ -691,7 +691,7 @@
           <p:cNvPr id="8194" name="Slide Image Placeholder 1">
             <a:extLst>
               <a:ext uri="{FF2B5EF4-FFF2-40B4-BE49-F238E27FC236}">
-                <a16:creationId xmlns:a16="http://schemas.microsoft.com/office/drawing/2014/main" id="{FE8C64E9-6908-4C8D-A34B-006D18F0D63F}"/>
+                <a16:creationId xmlns="" xmlns:a16="http://schemas.microsoft.com/office/drawing/2014/main" id="{FE8C64E9-6908-4C8D-A34B-006D18F0D63F}"/>
               </a:ext>
             </a:extLst>
           </p:cNvPr>
@@ -728,7 +728,7 @@
           <p:cNvPr id="8195" name="Notes Placeholder 2">
             <a:extLst>
               <a:ext uri="{FF2B5EF4-FFF2-40B4-BE49-F238E27FC236}">
-                <a16:creationId xmlns:a16="http://schemas.microsoft.com/office/drawing/2014/main" id="{9C8E31D1-17D2-4FF9-845C-778BEC269434}"/>
+                <a16:creationId xmlns="" xmlns:a16="http://schemas.microsoft.com/office/drawing/2014/main" id="{9C8E31D1-17D2-4FF9-845C-778BEC269434}"/>
               </a:ext>
             </a:extLst>
           </p:cNvPr>
@@ -816,7 +816,7 @@
           </p:cNvGraphicFramePr>
           <p:nvPr>
             <p:custDataLst>
-              <p:tags r:id="rId1"/>
+              <p:tags r:id="rId2"/>
             </p:custDataLst>
           </p:nvPr>
         </p:nvGraphicFramePr>
@@ -828,12 +828,12 @@
           <a:graphicData uri="http://schemas.openxmlformats.org/presentationml/2006/ole">
             <mc:AlternateContent xmlns:mc="http://schemas.openxmlformats.org/markup-compatibility/2006">
               <mc:Choice xmlns:v="urn:schemas-microsoft-com:vml" Requires="v">
-                <p:oleObj name="think-cell Slide" r:id="rId5" imgW="360" imgH="360" progId="">
+                <p:oleObj spid="_x0000_s2052" name="think-cell Slide" r:id="rId6" imgW="360" imgH="360" progId="">
                   <p:embed/>
                 </p:oleObj>
               </mc:Choice>
               <mc:Fallback>
-                <p:oleObj name="think-cell Slide" r:id="rId5" imgW="360" imgH="360" progId="">
+                <p:oleObj name="think-cell Slide" r:id="rId6" imgW="360" imgH="360" progId="">
                   <p:embed/>
                   <p:pic>
                     <p:nvPicPr>
@@ -844,7 +844,7 @@
                       <p:nvPr/>
                     </p:nvPicPr>
                     <p:blipFill>
-                      <a:blip r:embed="rId6">
+                      <a:blip r:embed="rId7">
                         <a:extLst>
                           <a:ext uri="{28A0092B-C50C-407E-A947-70E740481C1C}">
                             <a14:useLocalDpi xmlns:a14="http://schemas.microsoft.com/office/drawing/2010/main" val="0"/>
@@ -891,7 +891,7 @@
           <p:nvPr>
             <p:ph type="title" hasCustomPrompt="1"/>
             <p:custDataLst>
-              <p:tags r:id="rId2"/>
+              <p:tags r:id="rId3"/>
             </p:custDataLst>
           </p:nvPr>
         </p:nvSpPr>
@@ -921,7 +921,7 @@
           <p:nvPr>
             <p:ph idx="1" hasCustomPrompt="1"/>
             <p:custDataLst>
-              <p:tags r:id="rId3"/>
+              <p:tags r:id="rId4"/>
             </p:custDataLst>
           </p:nvPr>
         </p:nvSpPr>
@@ -1161,7 +1161,7 @@
           <p:cNvPr id="8" name="Text Placeholder 7">
             <a:extLst>
               <a:ext uri="{FF2B5EF4-FFF2-40B4-BE49-F238E27FC236}">
-                <a16:creationId xmlns:a16="http://schemas.microsoft.com/office/drawing/2014/main" id="{27CE2609-37DA-4C4C-BF45-E56CE85AA41D}"/>
+                <a16:creationId xmlns="" xmlns:a16="http://schemas.microsoft.com/office/drawing/2014/main" id="{27CE2609-37DA-4C4C-BF45-E56CE85AA41D}"/>
               </a:ext>
             </a:extLst>
           </p:cNvPr>
@@ -1275,7 +1275,7 @@
           <p:cNvPr id="13" name="Text Placeholder 7">
             <a:extLst>
               <a:ext uri="{FF2B5EF4-FFF2-40B4-BE49-F238E27FC236}">
-                <a16:creationId xmlns:a16="http://schemas.microsoft.com/office/drawing/2014/main" id="{D8D7F005-BA7C-423E-87B0-6782D88233F6}"/>
+                <a16:creationId xmlns="" xmlns:a16="http://schemas.microsoft.com/office/drawing/2014/main" id="{D8D7F005-BA7C-423E-87B0-6782D88233F6}"/>
               </a:ext>
             </a:extLst>
           </p:cNvPr>
@@ -1349,7 +1349,7 @@
           <p:cNvPr id="14" name="Text Placeholder 7">
             <a:extLst>
               <a:ext uri="{FF2B5EF4-FFF2-40B4-BE49-F238E27FC236}">
-                <a16:creationId xmlns:a16="http://schemas.microsoft.com/office/drawing/2014/main" id="{47BDC0DA-1585-454D-9E74-41D2AFC0FEE5}"/>
+                <a16:creationId xmlns="" xmlns:a16="http://schemas.microsoft.com/office/drawing/2014/main" id="{47BDC0DA-1585-454D-9E74-41D2AFC0FEE5}"/>
               </a:ext>
             </a:extLst>
           </p:cNvPr>
@@ -1451,7 +1451,7 @@
           <p:cNvPr id="16" name="Text Placeholder 7">
             <a:extLst>
               <a:ext uri="{FF2B5EF4-FFF2-40B4-BE49-F238E27FC236}">
-                <a16:creationId xmlns:a16="http://schemas.microsoft.com/office/drawing/2014/main" id="{27CE2609-37DA-4C4C-BF45-E56CE85AA41D}"/>
+                <a16:creationId xmlns="" xmlns:a16="http://schemas.microsoft.com/office/drawing/2014/main" id="{27CE2609-37DA-4C4C-BF45-E56CE85AA41D}"/>
               </a:ext>
             </a:extLst>
           </p:cNvPr>
@@ -1618,7 +1618,7 @@
           <p:cNvPr id="3" name="Text Placeholder 7">
             <a:extLst>
               <a:ext uri="{FF2B5EF4-FFF2-40B4-BE49-F238E27FC236}">
-                <a16:creationId xmlns:a16="http://schemas.microsoft.com/office/drawing/2014/main" id="{27CE2609-37DA-4C4C-BF45-E56CE85AA41D}"/>
+                <a16:creationId xmlns="" xmlns:a16="http://schemas.microsoft.com/office/drawing/2014/main" id="{27CE2609-37DA-4C4C-BF45-E56CE85AA41D}"/>
               </a:ext>
             </a:extLst>
           </p:cNvPr>
@@ -1732,7 +1732,7 @@
           <p:cNvPr id="4" name="Text Placeholder 7">
             <a:extLst>
               <a:ext uri="{FF2B5EF4-FFF2-40B4-BE49-F238E27FC236}">
-                <a16:creationId xmlns:a16="http://schemas.microsoft.com/office/drawing/2014/main" id="{D8D7F005-BA7C-423E-87B0-6782D88233F6}"/>
+                <a16:creationId xmlns="" xmlns:a16="http://schemas.microsoft.com/office/drawing/2014/main" id="{D8D7F005-BA7C-423E-87B0-6782D88233F6}"/>
               </a:ext>
             </a:extLst>
           </p:cNvPr>
@@ -1818,7 +1818,7 @@
           <p:cNvPr id="9" name="Text Placeholder 7">
             <a:extLst>
               <a:ext uri="{FF2B5EF4-FFF2-40B4-BE49-F238E27FC236}">
-                <a16:creationId xmlns:a16="http://schemas.microsoft.com/office/drawing/2014/main" id="{27CE2609-37DA-4C4C-BF45-E56CE85AA41D}"/>
+                <a16:creationId xmlns="" xmlns:a16="http://schemas.microsoft.com/office/drawing/2014/main" id="{27CE2609-37DA-4C4C-BF45-E56CE85AA41D}"/>
               </a:ext>
             </a:extLst>
           </p:cNvPr>
@@ -1932,7 +1932,7 @@
           <p:cNvPr id="10" name="Text Placeholder 7">
             <a:extLst>
               <a:ext uri="{FF2B5EF4-FFF2-40B4-BE49-F238E27FC236}">
-                <a16:creationId xmlns:a16="http://schemas.microsoft.com/office/drawing/2014/main" id="{D8D7F005-BA7C-423E-87B0-6782D88233F6}"/>
+                <a16:creationId xmlns="" xmlns:a16="http://schemas.microsoft.com/office/drawing/2014/main" id="{D8D7F005-BA7C-423E-87B0-6782D88233F6}"/>
               </a:ext>
             </a:extLst>
           </p:cNvPr>
@@ -2018,7 +2018,7 @@
           <p:cNvPr id="11" name="Text Placeholder 7">
             <a:extLst>
               <a:ext uri="{FF2B5EF4-FFF2-40B4-BE49-F238E27FC236}">
-                <a16:creationId xmlns:a16="http://schemas.microsoft.com/office/drawing/2014/main" id="{27CE2609-37DA-4C4C-BF45-E56CE85AA41D}"/>
+                <a16:creationId xmlns="" xmlns:a16="http://schemas.microsoft.com/office/drawing/2014/main" id="{27CE2609-37DA-4C4C-BF45-E56CE85AA41D}"/>
               </a:ext>
             </a:extLst>
           </p:cNvPr>
@@ -2132,7 +2132,7 @@
           <p:cNvPr id="12" name="Text Placeholder 7">
             <a:extLst>
               <a:ext uri="{FF2B5EF4-FFF2-40B4-BE49-F238E27FC236}">
-                <a16:creationId xmlns:a16="http://schemas.microsoft.com/office/drawing/2014/main" id="{D8D7F005-BA7C-423E-87B0-6782D88233F6}"/>
+                <a16:creationId xmlns="" xmlns:a16="http://schemas.microsoft.com/office/drawing/2014/main" id="{D8D7F005-BA7C-423E-87B0-6782D88233F6}"/>
               </a:ext>
             </a:extLst>
           </p:cNvPr>
@@ -2251,7 +2251,7 @@
           </p:cNvGraphicFramePr>
           <p:nvPr>
             <p:custDataLst>
-              <p:tags r:id="rId1"/>
+              <p:tags r:id="rId2"/>
             </p:custDataLst>
           </p:nvPr>
         </p:nvGraphicFramePr>
@@ -2263,12 +2263,12 @@
           <a:graphicData uri="http://schemas.openxmlformats.org/presentationml/2006/ole">
             <mc:AlternateContent xmlns:mc="http://schemas.openxmlformats.org/markup-compatibility/2006">
               <mc:Choice xmlns:v="urn:schemas-microsoft-com:vml" Requires="v">
-                <p:oleObj name="think-cell Slide" r:id="rId3" imgW="270" imgH="270" progId="TCLayout.ActiveDocument.1">
+                <p:oleObj spid="_x0000_s8196" name="think-cell Slide" r:id="rId4" imgW="270" imgH="270" progId="TCLayout.ActiveDocument.1">
                   <p:embed/>
                 </p:oleObj>
               </mc:Choice>
               <mc:Fallback>
-                <p:oleObj name="think-cell Slide" r:id="rId3" imgW="270" imgH="270" progId="TCLayout.ActiveDocument.1">
+                <p:oleObj name="think-cell Slide" r:id="rId4" imgW="270" imgH="270" progId="TCLayout.ActiveDocument.1">
                   <p:embed/>
                   <p:pic>
                     <p:nvPicPr>
@@ -2279,7 +2279,7 @@
                       <p:nvPr/>
                     </p:nvPicPr>
                     <p:blipFill>
-                      <a:blip r:embed="rId4">
+                      <a:blip r:embed="rId5">
                         <a:extLst>
                           <a:ext uri="{28A0092B-C50C-407E-A947-70E740481C1C}">
                             <a14:useLocalDpi xmlns:a14="http://schemas.microsoft.com/office/drawing/2010/main" val="0"/>
@@ -2725,7 +2725,7 @@
           </p:cNvGraphicFramePr>
           <p:nvPr>
             <p:custDataLst>
-              <p:tags r:id="rId1"/>
+              <p:tags r:id="rId2"/>
             </p:custDataLst>
           </p:nvPr>
         </p:nvGraphicFramePr>
@@ -2737,12 +2737,12 @@
           <a:graphicData uri="http://schemas.openxmlformats.org/presentationml/2006/ole">
             <mc:AlternateContent xmlns:mc="http://schemas.openxmlformats.org/markup-compatibility/2006">
               <mc:Choice xmlns:v="urn:schemas-microsoft-com:vml" Requires="v">
-                <p:oleObj name="think-cell Slide" r:id="rId3" imgW="270" imgH="270" progId="TCLayout.ActiveDocument.1">
+                <p:oleObj spid="_x0000_s9220" name="think-cell Slide" r:id="rId4" imgW="270" imgH="270" progId="TCLayout.ActiveDocument.1">
                   <p:embed/>
                 </p:oleObj>
               </mc:Choice>
               <mc:Fallback>
-                <p:oleObj name="think-cell Slide" r:id="rId3" imgW="270" imgH="270" progId="TCLayout.ActiveDocument.1">
+                <p:oleObj name="think-cell Slide" r:id="rId4" imgW="270" imgH="270" progId="TCLayout.ActiveDocument.1">
                   <p:embed/>
                   <p:pic>
                     <p:nvPicPr>
@@ -2753,7 +2753,7 @@
                       <p:nvPr/>
                     </p:nvPicPr>
                     <p:blipFill>
-                      <a:blip r:embed="rId4">
+                      <a:blip r:embed="rId5">
                         <a:extLst>
                           <a:ext uri="{28A0092B-C50C-407E-A947-70E740481C1C}">
                             <a14:useLocalDpi xmlns:a14="http://schemas.microsoft.com/office/drawing/2010/main" val="0"/>
@@ -2852,7 +2852,7 @@
           </p:cNvGraphicFramePr>
           <p:nvPr>
             <p:custDataLst>
-              <p:tags r:id="rId1"/>
+              <p:tags r:id="rId2"/>
             </p:custDataLst>
           </p:nvPr>
         </p:nvGraphicFramePr>
@@ -2864,12 +2864,12 @@
           <a:graphicData uri="http://schemas.openxmlformats.org/presentationml/2006/ole">
             <mc:AlternateContent xmlns:mc="http://schemas.openxmlformats.org/markup-compatibility/2006">
               <mc:Choice xmlns:v="urn:schemas-microsoft-com:vml" Requires="v">
-                <p:oleObj name="think-cell Slide" r:id="rId3" imgW="270" imgH="270" progId="TCLayout.ActiveDocument.1">
+                <p:oleObj spid="_x0000_s10244" name="think-cell Slide" r:id="rId4" imgW="270" imgH="270" progId="TCLayout.ActiveDocument.1">
                   <p:embed/>
                 </p:oleObj>
               </mc:Choice>
               <mc:Fallback>
-                <p:oleObj name="think-cell Slide" r:id="rId3" imgW="270" imgH="270" progId="TCLayout.ActiveDocument.1">
+                <p:oleObj name="think-cell Slide" r:id="rId4" imgW="270" imgH="270" progId="TCLayout.ActiveDocument.1">
                   <p:embed/>
                   <p:pic>
                     <p:nvPicPr>
@@ -2880,7 +2880,7 @@
                       <p:nvPr/>
                     </p:nvPicPr>
                     <p:blipFill>
-                      <a:blip r:embed="rId4">
+                      <a:blip r:embed="rId5">
                         <a:extLst>
                           <a:ext uri="{28A0092B-C50C-407E-A947-70E740481C1C}">
                             <a14:useLocalDpi xmlns:a14="http://schemas.microsoft.com/office/drawing/2010/main" val="0"/>
@@ -2953,7 +2953,7 @@
           <p:cNvPr id="12" name="Freeform: Shape 11">
             <a:extLst>
               <a:ext uri="{FF2B5EF4-FFF2-40B4-BE49-F238E27FC236}">
-                <a16:creationId xmlns:a16="http://schemas.microsoft.com/office/drawing/2014/main" id="{F5F5AEA1-6A77-4676-B8B3-EF658F5F8430}"/>
+                <a16:creationId xmlns="" xmlns:a16="http://schemas.microsoft.com/office/drawing/2014/main" id="{F5F5AEA1-6A77-4676-B8B3-EF658F5F8430}"/>
               </a:ext>
             </a:extLst>
           </p:cNvPr>
@@ -3142,7 +3142,7 @@
           <p:cNvPr id="26" name="Text Placeholder 4">
             <a:extLst>
               <a:ext uri="{FF2B5EF4-FFF2-40B4-BE49-F238E27FC236}">
-                <a16:creationId xmlns:a16="http://schemas.microsoft.com/office/drawing/2014/main" id="{7E551D69-F21D-4601-B4BD-97ECB52F39D6}"/>
+                <a16:creationId xmlns="" xmlns:a16="http://schemas.microsoft.com/office/drawing/2014/main" id="{7E551D69-F21D-4601-B4BD-97ECB52F39D6}"/>
               </a:ext>
             </a:extLst>
           </p:cNvPr>
@@ -3202,7 +3202,7 @@
           <p:cNvPr id="23" name="Text Placeholder 4">
             <a:extLst>
               <a:ext uri="{FF2B5EF4-FFF2-40B4-BE49-F238E27FC236}">
-                <a16:creationId xmlns:a16="http://schemas.microsoft.com/office/drawing/2014/main" id="{BC359575-5CC3-4B2F-91E7-19D6A150BE7B}"/>
+                <a16:creationId xmlns="" xmlns:a16="http://schemas.microsoft.com/office/drawing/2014/main" id="{BC359575-5CC3-4B2F-91E7-19D6A150BE7B}"/>
               </a:ext>
             </a:extLst>
           </p:cNvPr>
@@ -3262,7 +3262,7 @@
           <p:cNvPr id="24" name="Text Placeholder 7">
             <a:extLst>
               <a:ext uri="{FF2B5EF4-FFF2-40B4-BE49-F238E27FC236}">
-                <a16:creationId xmlns:a16="http://schemas.microsoft.com/office/drawing/2014/main" id="{53745724-67BB-4475-9660-FEEE12268615}"/>
+                <a16:creationId xmlns="" xmlns:a16="http://schemas.microsoft.com/office/drawing/2014/main" id="{53745724-67BB-4475-9660-FEEE12268615}"/>
               </a:ext>
             </a:extLst>
           </p:cNvPr>
@@ -3336,7 +3336,7 @@
           <p:cNvPr id="27" name="Text Placeholder 7">
             <a:extLst>
               <a:ext uri="{FF2B5EF4-FFF2-40B4-BE49-F238E27FC236}">
-                <a16:creationId xmlns:a16="http://schemas.microsoft.com/office/drawing/2014/main" id="{C78431F2-3F85-4748-A6BC-A08250A6D354}"/>
+                <a16:creationId xmlns="" xmlns:a16="http://schemas.microsoft.com/office/drawing/2014/main" id="{C78431F2-3F85-4748-A6BC-A08250A6D354}"/>
               </a:ext>
             </a:extLst>
           </p:cNvPr>
@@ -3410,7 +3410,7 @@
           <p:cNvPr id="13" name="Oval 20">
             <a:extLst>
               <a:ext uri="{FF2B5EF4-FFF2-40B4-BE49-F238E27FC236}">
-                <a16:creationId xmlns:a16="http://schemas.microsoft.com/office/drawing/2014/main" id="{1EFB3510-D39A-47CF-8191-109DDF9E53D5}"/>
+                <a16:creationId xmlns="" xmlns:a16="http://schemas.microsoft.com/office/drawing/2014/main" id="{1EFB3510-D39A-47CF-8191-109DDF9E53D5}"/>
               </a:ext>
             </a:extLst>
           </p:cNvPr>
@@ -3914,7 +3914,7 @@
           <p:cNvPr id="8" name="Text Placeholder 7">
             <a:extLst>
               <a:ext uri="{FF2B5EF4-FFF2-40B4-BE49-F238E27FC236}">
-                <a16:creationId xmlns:a16="http://schemas.microsoft.com/office/drawing/2014/main" id="{27CE2609-37DA-4C4C-BF45-E56CE85AA41D}"/>
+                <a16:creationId xmlns="" xmlns:a16="http://schemas.microsoft.com/office/drawing/2014/main" id="{27CE2609-37DA-4C4C-BF45-E56CE85AA41D}"/>
               </a:ext>
             </a:extLst>
           </p:cNvPr>
@@ -4028,7 +4028,7 @@
           <p:cNvPr id="13" name="Text Placeholder 7">
             <a:extLst>
               <a:ext uri="{FF2B5EF4-FFF2-40B4-BE49-F238E27FC236}">
-                <a16:creationId xmlns:a16="http://schemas.microsoft.com/office/drawing/2014/main" id="{D8D7F005-BA7C-423E-87B0-6782D88233F6}"/>
+                <a16:creationId xmlns="" xmlns:a16="http://schemas.microsoft.com/office/drawing/2014/main" id="{D8D7F005-BA7C-423E-87B0-6782D88233F6}"/>
               </a:ext>
             </a:extLst>
           </p:cNvPr>
@@ -4102,7 +4102,7 @@
           <p:cNvPr id="14" name="Text Placeholder 7">
             <a:extLst>
               <a:ext uri="{FF2B5EF4-FFF2-40B4-BE49-F238E27FC236}">
-                <a16:creationId xmlns:a16="http://schemas.microsoft.com/office/drawing/2014/main" id="{47BDC0DA-1585-454D-9E74-41D2AFC0FEE5}"/>
+                <a16:creationId xmlns="" xmlns:a16="http://schemas.microsoft.com/office/drawing/2014/main" id="{47BDC0DA-1585-454D-9E74-41D2AFC0FEE5}"/>
               </a:ext>
             </a:extLst>
           </p:cNvPr>
@@ -4176,7 +4176,7 @@
           <p:cNvPr id="10" name="Graphic 9">
             <a:extLst>
               <a:ext uri="{FF2B5EF4-FFF2-40B4-BE49-F238E27FC236}">
-                <a16:creationId xmlns:a16="http://schemas.microsoft.com/office/drawing/2014/main" id="{DDCA2B41-0A1F-45C2-A74A-EB99E41096F1}"/>
+                <a16:creationId xmlns="" xmlns:a16="http://schemas.microsoft.com/office/drawing/2014/main" id="{DDCA2B41-0A1F-45C2-A74A-EB99E41096F1}"/>
               </a:ext>
             </a:extLst>
           </p:cNvPr>
@@ -4189,7 +4189,7 @@
           <a:blip r:embed="rId2" cstate="print">
             <a:extLst>
               <a:ext uri="{96DAC541-7B7A-43D3-8B79-37D633B846F1}">
-                <asvg:svgBlip xmlns:asvg="http://schemas.microsoft.com/office/drawing/2016/SVG/main" r:embed="rId3"/>
+                <asvg:svgBlip xmlns="" xmlns:asvg="http://schemas.microsoft.com/office/drawing/2016/SVG/main" r:embed="rId3"/>
               </a:ext>
             </a:extLst>
           </a:blip>
@@ -4239,7 +4239,7 @@
           <p:cNvPr id="16" name="Text Placeholder 7">
             <a:extLst>
               <a:ext uri="{FF2B5EF4-FFF2-40B4-BE49-F238E27FC236}">
-                <a16:creationId xmlns:a16="http://schemas.microsoft.com/office/drawing/2014/main" id="{27CE2609-37DA-4C4C-BF45-E56CE85AA41D}"/>
+                <a16:creationId xmlns="" xmlns:a16="http://schemas.microsoft.com/office/drawing/2014/main" id="{27CE2609-37DA-4C4C-BF45-E56CE85AA41D}"/>
               </a:ext>
             </a:extLst>
           </p:cNvPr>
@@ -4386,7 +4386,7 @@
           </p:cNvGraphicFramePr>
           <p:nvPr>
             <p:custDataLst>
-              <p:tags r:id="rId1"/>
+              <p:tags r:id="rId2"/>
             </p:custDataLst>
           </p:nvPr>
         </p:nvGraphicFramePr>
@@ -4398,12 +4398,12 @@
           <a:graphicData uri="http://schemas.openxmlformats.org/presentationml/2006/ole">
             <mc:AlternateContent xmlns:mc="http://schemas.openxmlformats.org/markup-compatibility/2006">
               <mc:Choice xmlns:v="urn:schemas-microsoft-com:vml" Requires="v">
-                <p:oleObj name="think-cell Slide" r:id="rId6" imgW="360" imgH="360" progId="">
+                <p:oleObj spid="_x0000_s3076" name="think-cell Slide" r:id="rId7" imgW="360" imgH="360" progId="">
                   <p:embed/>
                 </p:oleObj>
               </mc:Choice>
               <mc:Fallback>
-                <p:oleObj name="think-cell Slide" r:id="rId6" imgW="360" imgH="360" progId="">
+                <p:oleObj name="think-cell Slide" r:id="rId7" imgW="360" imgH="360" progId="">
                   <p:embed/>
                   <p:pic>
                     <p:nvPicPr>
@@ -4414,7 +4414,7 @@
                       <p:nvPr/>
                     </p:nvPicPr>
                     <p:blipFill>
-                      <a:blip r:embed="rId7">
+                      <a:blip r:embed="rId8">
                         <a:extLst>
                           <a:ext uri="{28A0092B-C50C-407E-A947-70E740481C1C}">
                             <a14:useLocalDpi xmlns:a14="http://schemas.microsoft.com/office/drawing/2010/main" val="0"/>
@@ -4461,7 +4461,7 @@
           <p:nvPr>
             <p:ph type="title" hasCustomPrompt="1"/>
             <p:custDataLst>
-              <p:tags r:id="rId2"/>
+              <p:tags r:id="rId3"/>
             </p:custDataLst>
           </p:nvPr>
         </p:nvSpPr>
@@ -4491,7 +4491,7 @@
           <p:nvPr>
             <p:ph idx="1" hasCustomPrompt="1"/>
             <p:custDataLst>
-              <p:tags r:id="rId3"/>
+              <p:tags r:id="rId4"/>
             </p:custDataLst>
           </p:nvPr>
         </p:nvSpPr>
@@ -4547,7 +4547,7 @@
           <p:nvPr>
             <p:ph type="body" sz="quarter" idx="11" hasCustomPrompt="1"/>
             <p:custDataLst>
-              <p:tags r:id="rId4"/>
+              <p:tags r:id="rId5"/>
             </p:custDataLst>
           </p:nvPr>
         </p:nvSpPr>
@@ -4652,7 +4652,7 @@
           <p:cNvPr id="3" name="Text Placeholder 7">
             <a:extLst>
               <a:ext uri="{FF2B5EF4-FFF2-40B4-BE49-F238E27FC236}">
-                <a16:creationId xmlns:a16="http://schemas.microsoft.com/office/drawing/2014/main" id="{27CE2609-37DA-4C4C-BF45-E56CE85AA41D}"/>
+                <a16:creationId xmlns="" xmlns:a16="http://schemas.microsoft.com/office/drawing/2014/main" id="{27CE2609-37DA-4C4C-BF45-E56CE85AA41D}"/>
               </a:ext>
             </a:extLst>
           </p:cNvPr>
@@ -4766,7 +4766,7 @@
           <p:cNvPr id="4" name="Text Placeholder 7">
             <a:extLst>
               <a:ext uri="{FF2B5EF4-FFF2-40B4-BE49-F238E27FC236}">
-                <a16:creationId xmlns:a16="http://schemas.microsoft.com/office/drawing/2014/main" id="{D8D7F005-BA7C-423E-87B0-6782D88233F6}"/>
+                <a16:creationId xmlns="" xmlns:a16="http://schemas.microsoft.com/office/drawing/2014/main" id="{D8D7F005-BA7C-423E-87B0-6782D88233F6}"/>
               </a:ext>
             </a:extLst>
           </p:cNvPr>
@@ -4852,7 +4852,7 @@
           <p:cNvPr id="9" name="Text Placeholder 7">
             <a:extLst>
               <a:ext uri="{FF2B5EF4-FFF2-40B4-BE49-F238E27FC236}">
-                <a16:creationId xmlns:a16="http://schemas.microsoft.com/office/drawing/2014/main" id="{27CE2609-37DA-4C4C-BF45-E56CE85AA41D}"/>
+                <a16:creationId xmlns="" xmlns:a16="http://schemas.microsoft.com/office/drawing/2014/main" id="{27CE2609-37DA-4C4C-BF45-E56CE85AA41D}"/>
               </a:ext>
             </a:extLst>
           </p:cNvPr>
@@ -4966,7 +4966,7 @@
           <p:cNvPr id="10" name="Text Placeholder 7">
             <a:extLst>
               <a:ext uri="{FF2B5EF4-FFF2-40B4-BE49-F238E27FC236}">
-                <a16:creationId xmlns:a16="http://schemas.microsoft.com/office/drawing/2014/main" id="{D8D7F005-BA7C-423E-87B0-6782D88233F6}"/>
+                <a16:creationId xmlns="" xmlns:a16="http://schemas.microsoft.com/office/drawing/2014/main" id="{D8D7F005-BA7C-423E-87B0-6782D88233F6}"/>
               </a:ext>
             </a:extLst>
           </p:cNvPr>
@@ -5052,7 +5052,7 @@
           <p:cNvPr id="11" name="Text Placeholder 7">
             <a:extLst>
               <a:ext uri="{FF2B5EF4-FFF2-40B4-BE49-F238E27FC236}">
-                <a16:creationId xmlns:a16="http://schemas.microsoft.com/office/drawing/2014/main" id="{27CE2609-37DA-4C4C-BF45-E56CE85AA41D}"/>
+                <a16:creationId xmlns="" xmlns:a16="http://schemas.microsoft.com/office/drawing/2014/main" id="{27CE2609-37DA-4C4C-BF45-E56CE85AA41D}"/>
               </a:ext>
             </a:extLst>
           </p:cNvPr>
@@ -5166,7 +5166,7 @@
           <p:cNvPr id="12" name="Text Placeholder 7">
             <a:extLst>
               <a:ext uri="{FF2B5EF4-FFF2-40B4-BE49-F238E27FC236}">
-                <a16:creationId xmlns:a16="http://schemas.microsoft.com/office/drawing/2014/main" id="{D8D7F005-BA7C-423E-87B0-6782D88233F6}"/>
+                <a16:creationId xmlns="" xmlns:a16="http://schemas.microsoft.com/office/drawing/2014/main" id="{D8D7F005-BA7C-423E-87B0-6782D88233F6}"/>
               </a:ext>
             </a:extLst>
           </p:cNvPr>
@@ -5285,7 +5285,7 @@
           </p:cNvGraphicFramePr>
           <p:nvPr>
             <p:custDataLst>
-              <p:tags r:id="rId1"/>
+              <p:tags r:id="rId2"/>
             </p:custDataLst>
           </p:nvPr>
         </p:nvGraphicFramePr>
@@ -5297,12 +5297,12 @@
           <a:graphicData uri="http://schemas.openxmlformats.org/presentationml/2006/ole">
             <mc:AlternateContent xmlns:mc="http://schemas.openxmlformats.org/markup-compatibility/2006">
               <mc:Choice xmlns:v="urn:schemas-microsoft-com:vml" Requires="v">
-                <p:oleObj name="think-cell Slide" r:id="rId3" imgW="270" imgH="270" progId="TCLayout.ActiveDocument.1">
+                <p:oleObj spid="_x0000_s12292" name="think-cell Slide" r:id="rId4" imgW="270" imgH="270" progId="TCLayout.ActiveDocument.1">
                   <p:embed/>
                 </p:oleObj>
               </mc:Choice>
               <mc:Fallback>
-                <p:oleObj name="think-cell Slide" r:id="rId3" imgW="270" imgH="270" progId="TCLayout.ActiveDocument.1">
+                <p:oleObj name="think-cell Slide" r:id="rId4" imgW="270" imgH="270" progId="TCLayout.ActiveDocument.1">
                   <p:embed/>
                   <p:pic>
                     <p:nvPicPr>
@@ -5313,7 +5313,7 @@
                       <p:nvPr/>
                     </p:nvPicPr>
                     <p:blipFill>
-                      <a:blip r:embed="rId4">
+                      <a:blip r:embed="rId5">
                         <a:extLst>
                           <a:ext uri="{28A0092B-C50C-407E-A947-70E740481C1C}">
                             <a14:useLocalDpi xmlns:a14="http://schemas.microsoft.com/office/drawing/2010/main" val="0"/>
@@ -5759,7 +5759,7 @@
           </p:cNvGraphicFramePr>
           <p:nvPr>
             <p:custDataLst>
-              <p:tags r:id="rId1"/>
+              <p:tags r:id="rId2"/>
             </p:custDataLst>
           </p:nvPr>
         </p:nvGraphicFramePr>
@@ -5771,12 +5771,12 @@
           <a:graphicData uri="http://schemas.openxmlformats.org/presentationml/2006/ole">
             <mc:AlternateContent xmlns:mc="http://schemas.openxmlformats.org/markup-compatibility/2006">
               <mc:Choice xmlns:v="urn:schemas-microsoft-com:vml" Requires="v">
-                <p:oleObj name="think-cell Slide" r:id="rId3" imgW="270" imgH="270" progId="TCLayout.ActiveDocument.1">
+                <p:oleObj spid="_x0000_s13316" name="think-cell Slide" r:id="rId4" imgW="270" imgH="270" progId="TCLayout.ActiveDocument.1">
                   <p:embed/>
                 </p:oleObj>
               </mc:Choice>
               <mc:Fallback>
-                <p:oleObj name="think-cell Slide" r:id="rId3" imgW="270" imgH="270" progId="TCLayout.ActiveDocument.1">
+                <p:oleObj name="think-cell Slide" r:id="rId4" imgW="270" imgH="270" progId="TCLayout.ActiveDocument.1">
                   <p:embed/>
                   <p:pic>
                     <p:nvPicPr>
@@ -5787,7 +5787,7 @@
                       <p:nvPr/>
                     </p:nvPicPr>
                     <p:blipFill>
-                      <a:blip r:embed="rId4">
+                      <a:blip r:embed="rId5">
                         <a:extLst>
                           <a:ext uri="{28A0092B-C50C-407E-A947-70E740481C1C}">
                             <a14:useLocalDpi xmlns:a14="http://schemas.microsoft.com/office/drawing/2010/main" val="0"/>
@@ -5883,7 +5883,7 @@
           <p:cNvPr id="12" name="Freeform: Shape 11">
             <a:extLst>
               <a:ext uri="{FF2B5EF4-FFF2-40B4-BE49-F238E27FC236}">
-                <a16:creationId xmlns:a16="http://schemas.microsoft.com/office/drawing/2014/main" id="{F5F5AEA1-6A77-4676-B8B3-EF658F5F8430}"/>
+                <a16:creationId xmlns="" xmlns:a16="http://schemas.microsoft.com/office/drawing/2014/main" id="{F5F5AEA1-6A77-4676-B8B3-EF658F5F8430}"/>
               </a:ext>
             </a:extLst>
           </p:cNvPr>
@@ -6072,7 +6072,7 @@
           <p:cNvPr id="26" name="Text Placeholder 4">
             <a:extLst>
               <a:ext uri="{FF2B5EF4-FFF2-40B4-BE49-F238E27FC236}">
-                <a16:creationId xmlns:a16="http://schemas.microsoft.com/office/drawing/2014/main" id="{7E551D69-F21D-4601-B4BD-97ECB52F39D6}"/>
+                <a16:creationId xmlns="" xmlns:a16="http://schemas.microsoft.com/office/drawing/2014/main" id="{7E551D69-F21D-4601-B4BD-97ECB52F39D6}"/>
               </a:ext>
             </a:extLst>
           </p:cNvPr>
@@ -6132,7 +6132,7 @@
           <p:cNvPr id="23" name="Text Placeholder 4">
             <a:extLst>
               <a:ext uri="{FF2B5EF4-FFF2-40B4-BE49-F238E27FC236}">
-                <a16:creationId xmlns:a16="http://schemas.microsoft.com/office/drawing/2014/main" id="{BC359575-5CC3-4B2F-91E7-19D6A150BE7B}"/>
+                <a16:creationId xmlns="" xmlns:a16="http://schemas.microsoft.com/office/drawing/2014/main" id="{BC359575-5CC3-4B2F-91E7-19D6A150BE7B}"/>
               </a:ext>
             </a:extLst>
           </p:cNvPr>
@@ -6192,7 +6192,7 @@
           <p:cNvPr id="24" name="Text Placeholder 7">
             <a:extLst>
               <a:ext uri="{FF2B5EF4-FFF2-40B4-BE49-F238E27FC236}">
-                <a16:creationId xmlns:a16="http://schemas.microsoft.com/office/drawing/2014/main" id="{53745724-67BB-4475-9660-FEEE12268615}"/>
+                <a16:creationId xmlns="" xmlns:a16="http://schemas.microsoft.com/office/drawing/2014/main" id="{53745724-67BB-4475-9660-FEEE12268615}"/>
               </a:ext>
             </a:extLst>
           </p:cNvPr>
@@ -6266,7 +6266,7 @@
           <p:cNvPr id="27" name="Text Placeholder 7">
             <a:extLst>
               <a:ext uri="{FF2B5EF4-FFF2-40B4-BE49-F238E27FC236}">
-                <a16:creationId xmlns:a16="http://schemas.microsoft.com/office/drawing/2014/main" id="{C78431F2-3F85-4748-A6BC-A08250A6D354}"/>
+                <a16:creationId xmlns="" xmlns:a16="http://schemas.microsoft.com/office/drawing/2014/main" id="{C78431F2-3F85-4748-A6BC-A08250A6D354}"/>
               </a:ext>
             </a:extLst>
           </p:cNvPr>
@@ -6340,7 +6340,7 @@
           <p:cNvPr id="13" name="Oval 20">
             <a:extLst>
               <a:ext uri="{FF2B5EF4-FFF2-40B4-BE49-F238E27FC236}">
-                <a16:creationId xmlns:a16="http://schemas.microsoft.com/office/drawing/2014/main" id="{1EFB3510-D39A-47CF-8191-109DDF9E53D5}"/>
+                <a16:creationId xmlns="" xmlns:a16="http://schemas.microsoft.com/office/drawing/2014/main" id="{1EFB3510-D39A-47CF-8191-109DDF9E53D5}"/>
               </a:ext>
             </a:extLst>
           </p:cNvPr>
@@ -7409,7 +7409,7 @@
           <p:cNvPr id="22" name="Rectangle 21">
             <a:extLst>
               <a:ext uri="{FF2B5EF4-FFF2-40B4-BE49-F238E27FC236}">
-                <a16:creationId xmlns:a16="http://schemas.microsoft.com/office/drawing/2014/main" id="{E8908264-69B6-46C3-BC5E-E71F4E6DCBC3}"/>
+                <a16:creationId xmlns="" xmlns:a16="http://schemas.microsoft.com/office/drawing/2014/main" id="{E8908264-69B6-46C3-BC5E-E71F4E6DCBC3}"/>
               </a:ext>
             </a:extLst>
           </p:cNvPr>
@@ -7498,7 +7498,7 @@
           <p:cNvPr id="28" name="Rectangle 27">
             <a:extLst>
               <a:ext uri="{FF2B5EF4-FFF2-40B4-BE49-F238E27FC236}">
-                <a16:creationId xmlns:a16="http://schemas.microsoft.com/office/drawing/2014/main" id="{F4BD3913-98BD-4928-8844-07710E664913}"/>
+                <a16:creationId xmlns="" xmlns:a16="http://schemas.microsoft.com/office/drawing/2014/main" id="{F4BD3913-98BD-4928-8844-07710E664913}"/>
               </a:ext>
             </a:extLst>
           </p:cNvPr>
@@ -7562,7 +7562,7 @@
             <a:hlinkClick r:id="rId13"/>
             <a:extLst>
               <a:ext uri="{FF2B5EF4-FFF2-40B4-BE49-F238E27FC236}">
-                <a16:creationId xmlns:a16="http://schemas.microsoft.com/office/drawing/2014/main" id="{C02D1075-18AF-446B-8E8B-8F7A7B83644F}"/>
+                <a16:creationId xmlns="" xmlns:a16="http://schemas.microsoft.com/office/drawing/2014/main" id="{C02D1075-18AF-446B-8E8B-8F7A7B83644F}"/>
               </a:ext>
             </a:extLst>
           </p:cNvPr>
@@ -7674,7 +7674,7 @@
           </p:cNvGraphicFramePr>
           <p:nvPr>
             <p:custDataLst>
-              <p:tags r:id="rId1"/>
+              <p:tags r:id="rId2"/>
             </p:custDataLst>
           </p:nvPr>
         </p:nvGraphicFramePr>
@@ -7686,12 +7686,12 @@
           <a:graphicData uri="http://schemas.openxmlformats.org/presentationml/2006/ole">
             <mc:AlternateContent xmlns:mc="http://schemas.openxmlformats.org/markup-compatibility/2006">
               <mc:Choice xmlns:v="urn:schemas-microsoft-com:vml" Requires="v">
-                <p:oleObj name="think-cell Slide" r:id="rId3" imgW="270" imgH="270" progId="TCLayout.ActiveDocument.1">
+                <p:oleObj spid="_x0000_s14340" name="think-cell Slide" r:id="rId4" imgW="270" imgH="270" progId="TCLayout.ActiveDocument.1">
                   <p:embed/>
                 </p:oleObj>
               </mc:Choice>
               <mc:Fallback>
-                <p:oleObj name="think-cell Slide" r:id="rId3" imgW="270" imgH="270" progId="TCLayout.ActiveDocument.1">
+                <p:oleObj name="think-cell Slide" r:id="rId4" imgW="270" imgH="270" progId="TCLayout.ActiveDocument.1">
                   <p:embed/>
                   <p:pic>
                     <p:nvPicPr>
@@ -7702,7 +7702,7 @@
                       <p:nvPr/>
                     </p:nvPicPr>
                     <p:blipFill>
-                      <a:blip r:embed="rId4">
+                      <a:blip r:embed="rId5">
                         <a:extLst>
                           <a:ext uri="{28A0092B-C50C-407E-A947-70E740481C1C}">
                             <a14:useLocalDpi xmlns:a14="http://schemas.microsoft.com/office/drawing/2010/main" val="0"/>
@@ -9522,7 +9522,7 @@
   </p:clrMapOvr>
   <p:extLst>
     <p:ext uri="{DCECCB84-F9BA-43D5-87BE-67443E8EF086}">
-      <p15:sldGuideLst xmlns:p15="http://schemas.microsoft.com/office/powerpoint/2012/main">
+      <p15:sldGuideLst xmlns="" xmlns:p15="http://schemas.microsoft.com/office/powerpoint/2012/main">
         <p15:guide id="1" orient="horz" pos="3339">
           <p15:clr>
             <a:srgbClr val="FBAE40"/>
@@ -9556,7 +9556,7 @@
           <p:cNvPr id="11" name="Picture 3">
             <a:extLst>
               <a:ext uri="{FF2B5EF4-FFF2-40B4-BE49-F238E27FC236}">
-                <a16:creationId xmlns:a16="http://schemas.microsoft.com/office/drawing/2014/main" id="{9D2BDE31-324A-48D9-B4FF-035BEA658753}"/>
+                <a16:creationId xmlns="" xmlns:a16="http://schemas.microsoft.com/office/drawing/2014/main" id="{9D2BDE31-324A-48D9-B4FF-035BEA658753}"/>
               </a:ext>
             </a:extLst>
           </p:cNvPr>
@@ -9616,7 +9616,7 @@
           <p:cNvPr id="12" name="TextBox 11">
             <a:extLst>
               <a:ext uri="{FF2B5EF4-FFF2-40B4-BE49-F238E27FC236}">
-                <a16:creationId xmlns:a16="http://schemas.microsoft.com/office/drawing/2014/main" id="{E3CEDC4D-033D-4D91-8567-3DB7DAE7163D}"/>
+                <a16:creationId xmlns="" xmlns:a16="http://schemas.microsoft.com/office/drawing/2014/main" id="{E3CEDC4D-033D-4D91-8567-3DB7DAE7163D}"/>
               </a:ext>
             </a:extLst>
           </p:cNvPr>
@@ -9760,7 +9760,7 @@
           <p:cNvPr id="13" name="TextBox 12">
             <a:extLst>
               <a:ext uri="{FF2B5EF4-FFF2-40B4-BE49-F238E27FC236}">
-                <a16:creationId xmlns:a16="http://schemas.microsoft.com/office/drawing/2014/main" id="{D339581F-401A-4397-A921-4BD17DB75784}"/>
+                <a16:creationId xmlns="" xmlns:a16="http://schemas.microsoft.com/office/drawing/2014/main" id="{D339581F-401A-4397-A921-4BD17DB75784}"/>
               </a:ext>
             </a:extLst>
           </p:cNvPr>
@@ -9904,7 +9904,7 @@
           <p:cNvPr id="14" name="TextBox 13">
             <a:extLst>
               <a:ext uri="{FF2B5EF4-FFF2-40B4-BE49-F238E27FC236}">
-                <a16:creationId xmlns:a16="http://schemas.microsoft.com/office/drawing/2014/main" id="{F4598366-533C-437A-8E31-70591EDA43AA}"/>
+                <a16:creationId xmlns="" xmlns:a16="http://schemas.microsoft.com/office/drawing/2014/main" id="{F4598366-533C-437A-8E31-70591EDA43AA}"/>
               </a:ext>
             </a:extLst>
           </p:cNvPr>
@@ -10048,7 +10048,7 @@
           <p:cNvPr id="15" name="Group 2">
             <a:extLst>
               <a:ext uri="{FF2B5EF4-FFF2-40B4-BE49-F238E27FC236}">
-                <a16:creationId xmlns:a16="http://schemas.microsoft.com/office/drawing/2014/main" id="{238FAB7E-E38F-4E04-AA07-A553E5EC0500}"/>
+                <a16:creationId xmlns="" xmlns:a16="http://schemas.microsoft.com/office/drawing/2014/main" id="{238FAB7E-E38F-4E04-AA07-A553E5EC0500}"/>
               </a:ext>
             </a:extLst>
           </p:cNvPr>
@@ -10070,7 +10070,7 @@
             <p:cNvPr id="17" name="TextBox 11">
               <a:extLst>
                 <a:ext uri="{FF2B5EF4-FFF2-40B4-BE49-F238E27FC236}">
-                  <a16:creationId xmlns:a16="http://schemas.microsoft.com/office/drawing/2014/main" id="{F1A16182-C8A0-42B8-9931-C972244781EE}"/>
+                  <a16:creationId xmlns="" xmlns:a16="http://schemas.microsoft.com/office/drawing/2014/main" id="{F1A16182-C8A0-42B8-9931-C972244781EE}"/>
                 </a:ext>
               </a:extLst>
             </p:cNvPr>
@@ -10214,7 +10214,7 @@
             <p:cNvPr id="18" name="TextBox 12">
               <a:extLst>
                 <a:ext uri="{FF2B5EF4-FFF2-40B4-BE49-F238E27FC236}">
-                  <a16:creationId xmlns:a16="http://schemas.microsoft.com/office/drawing/2014/main" id="{7CFAE8E2-AB5D-4CF9-8115-B93DB764BCD5}"/>
+                  <a16:creationId xmlns="" xmlns:a16="http://schemas.microsoft.com/office/drawing/2014/main" id="{7CFAE8E2-AB5D-4CF9-8115-B93DB764BCD5}"/>
                 </a:ext>
               </a:extLst>
             </p:cNvPr>
@@ -10358,7 +10358,7 @@
             <p:cNvPr id="19" name="TextBox 13">
               <a:extLst>
                 <a:ext uri="{FF2B5EF4-FFF2-40B4-BE49-F238E27FC236}">
-                  <a16:creationId xmlns:a16="http://schemas.microsoft.com/office/drawing/2014/main" id="{6279758B-4941-4EC1-BBBA-6F16A5431D5E}"/>
+                  <a16:creationId xmlns="" xmlns:a16="http://schemas.microsoft.com/office/drawing/2014/main" id="{6279758B-4941-4EC1-BBBA-6F16A5431D5E}"/>
                 </a:ext>
               </a:extLst>
             </p:cNvPr>
@@ -10502,7 +10502,7 @@
             <p:cNvPr id="20" name="Rectangle 19">
               <a:extLst>
                 <a:ext uri="{FF2B5EF4-FFF2-40B4-BE49-F238E27FC236}">
-                  <a16:creationId xmlns:a16="http://schemas.microsoft.com/office/drawing/2014/main" id="{0FF096E5-D044-4527-937A-B258AF65D442}"/>
+                  <a16:creationId xmlns="" xmlns:a16="http://schemas.microsoft.com/office/drawing/2014/main" id="{0FF096E5-D044-4527-937A-B258AF65D442}"/>
                 </a:ext>
               </a:extLst>
             </p:cNvPr>
@@ -10555,7 +10555,7 @@
           <p:cNvPr id="22" name="TextBox 13">
             <a:extLst>
               <a:ext uri="{FF2B5EF4-FFF2-40B4-BE49-F238E27FC236}">
-                <a16:creationId xmlns:a16="http://schemas.microsoft.com/office/drawing/2014/main" id="{DD2D64F5-C5D9-4322-B3FC-BC21AF1343F5}"/>
+                <a16:creationId xmlns="" xmlns:a16="http://schemas.microsoft.com/office/drawing/2014/main" id="{DD2D64F5-C5D9-4322-B3FC-BC21AF1343F5}"/>
               </a:ext>
             </a:extLst>
           </p:cNvPr>
@@ -10699,7 +10699,7 @@
           <p:cNvPr id="24" name="Picture 8" descr="Strengths">
             <a:extLst>
               <a:ext uri="{FF2B5EF4-FFF2-40B4-BE49-F238E27FC236}">
-                <a16:creationId xmlns:a16="http://schemas.microsoft.com/office/drawing/2014/main" id="{19E068FC-C38C-4D71-9A54-1BAA4BDE3EA2}"/>
+                <a16:creationId xmlns="" xmlns:a16="http://schemas.microsoft.com/office/drawing/2014/main" id="{19E068FC-C38C-4D71-9A54-1BAA4BDE3EA2}"/>
               </a:ext>
             </a:extLst>
           </p:cNvPr>
@@ -10709,7 +10709,7 @@
           <p:nvPr userDrawn="1"/>
         </p:nvPicPr>
         <p:blipFill>
-          <a:blip r:embed="rId3">
+          <a:blip r:embed="rId3" cstate="print">
             <a:extLst>
               <a:ext uri="{28A0092B-C50C-407E-A947-70E740481C1C}">
                 <a14:useLocalDpi xmlns:a14="http://schemas.microsoft.com/office/drawing/2010/main" val="0"/>
@@ -10759,7 +10759,7 @@
           <p:cNvPr id="27" name="Picture 12" descr="Achievement, trophy icon">
             <a:extLst>
               <a:ext uri="{FF2B5EF4-FFF2-40B4-BE49-F238E27FC236}">
-                <a16:creationId xmlns:a16="http://schemas.microsoft.com/office/drawing/2014/main" id="{44891430-3EA5-4446-8A82-C16C5949E1A3}"/>
+                <a16:creationId xmlns="" xmlns:a16="http://schemas.microsoft.com/office/drawing/2014/main" id="{44891430-3EA5-4446-8A82-C16C5949E1A3}"/>
               </a:ext>
             </a:extLst>
           </p:cNvPr>
@@ -10769,7 +10769,7 @@
           <p:nvPr userDrawn="1"/>
         </p:nvPicPr>
         <p:blipFill>
-          <a:blip r:embed="rId4">
+          <a:blip r:embed="rId4" cstate="print">
             <a:extLst>
               <a:ext uri="{28A0092B-C50C-407E-A947-70E740481C1C}">
                 <a14:useLocalDpi xmlns:a14="http://schemas.microsoft.com/office/drawing/2010/main" val="0"/>
@@ -11225,7 +11225,7 @@
           </p:cNvGraphicFramePr>
           <p:nvPr>
             <p:custDataLst>
-              <p:tags r:id="rId1"/>
+              <p:tags r:id="rId2"/>
             </p:custDataLst>
           </p:nvPr>
         </p:nvGraphicFramePr>
@@ -11237,12 +11237,12 @@
           <a:graphicData uri="http://schemas.openxmlformats.org/presentationml/2006/ole">
             <mc:AlternateContent xmlns:mc="http://schemas.openxmlformats.org/markup-compatibility/2006">
               <mc:Choice xmlns:v="urn:schemas-microsoft-com:vml" Requires="v">
-                <p:oleObj name="think-cell Slide" r:id="rId6" imgW="360" imgH="360" progId="">
+                <p:oleObj spid="_x0000_s4100" name="think-cell Slide" r:id="rId7" imgW="360" imgH="360" progId="">
                   <p:embed/>
                 </p:oleObj>
               </mc:Choice>
               <mc:Fallback>
-                <p:oleObj name="think-cell Slide" r:id="rId6" imgW="360" imgH="360" progId="">
+                <p:oleObj name="think-cell Slide" r:id="rId7" imgW="360" imgH="360" progId="">
                   <p:embed/>
                   <p:pic>
                     <p:nvPicPr>
@@ -11253,7 +11253,7 @@
                       <p:nvPr/>
                     </p:nvPicPr>
                     <p:blipFill>
-                      <a:blip r:embed="rId7">
+                      <a:blip r:embed="rId8">
                         <a:extLst>
                           <a:ext uri="{28A0092B-C50C-407E-A947-70E740481C1C}">
                             <a14:useLocalDpi xmlns:a14="http://schemas.microsoft.com/office/drawing/2010/main" val="0"/>
@@ -11300,7 +11300,7 @@
           <p:nvPr>
             <p:ph type="title" hasCustomPrompt="1"/>
             <p:custDataLst>
-              <p:tags r:id="rId2"/>
+              <p:tags r:id="rId3"/>
             </p:custDataLst>
           </p:nvPr>
         </p:nvSpPr>
@@ -11330,7 +11330,7 @@
           <p:nvPr>
             <p:ph sz="quarter" idx="10" hasCustomPrompt="1"/>
             <p:custDataLst>
-              <p:tags r:id="rId3"/>
+              <p:tags r:id="rId4"/>
             </p:custDataLst>
           </p:nvPr>
         </p:nvSpPr>
@@ -11386,7 +11386,7 @@
           <p:nvPr>
             <p:ph sz="quarter" idx="11" hasCustomPrompt="1"/>
             <p:custDataLst>
-              <p:tags r:id="rId4"/>
+              <p:tags r:id="rId5"/>
             </p:custDataLst>
           </p:nvPr>
         </p:nvSpPr>
@@ -11471,7 +11471,7 @@
           </p:cNvGraphicFramePr>
           <p:nvPr>
             <p:custDataLst>
-              <p:tags r:id="rId1"/>
+              <p:tags r:id="rId2"/>
             </p:custDataLst>
           </p:nvPr>
         </p:nvGraphicFramePr>
@@ -11483,12 +11483,12 @@
           <a:graphicData uri="http://schemas.openxmlformats.org/presentationml/2006/ole">
             <mc:AlternateContent xmlns:mc="http://schemas.openxmlformats.org/markup-compatibility/2006">
               <mc:Choice xmlns:v="urn:schemas-microsoft-com:vml" Requires="v">
-                <p:oleObj name="think-cell Slide" r:id="rId8" imgW="360" imgH="360" progId="">
+                <p:oleObj spid="_x0000_s5124" name="think-cell Slide" r:id="rId9" imgW="360" imgH="360" progId="">
                   <p:embed/>
                 </p:oleObj>
               </mc:Choice>
               <mc:Fallback>
-                <p:oleObj name="think-cell Slide" r:id="rId8" imgW="360" imgH="360" progId="">
+                <p:oleObj name="think-cell Slide" r:id="rId9" imgW="360" imgH="360" progId="">
                   <p:embed/>
                   <p:pic>
                     <p:nvPicPr>
@@ -11499,7 +11499,7 @@
                       <p:nvPr/>
                     </p:nvPicPr>
                     <p:blipFill>
-                      <a:blip r:embed="rId9">
+                      <a:blip r:embed="rId10">
                         <a:extLst>
                           <a:ext uri="{28A0092B-C50C-407E-A947-70E740481C1C}">
                             <a14:useLocalDpi xmlns:a14="http://schemas.microsoft.com/office/drawing/2010/main" val="0"/>
@@ -11546,7 +11546,7 @@
           <p:nvPr>
             <p:ph type="title" hasCustomPrompt="1"/>
             <p:custDataLst>
-              <p:tags r:id="rId2"/>
+              <p:tags r:id="rId3"/>
             </p:custDataLst>
           </p:nvPr>
         </p:nvSpPr>
@@ -11576,7 +11576,7 @@
           <p:nvPr>
             <p:ph sz="quarter" idx="10" hasCustomPrompt="1"/>
             <p:custDataLst>
-              <p:tags r:id="rId3"/>
+              <p:tags r:id="rId4"/>
             </p:custDataLst>
           </p:nvPr>
         </p:nvSpPr>
@@ -11641,7 +11641,7 @@
           <p:nvPr>
             <p:ph sz="quarter" idx="11" hasCustomPrompt="1"/>
             <p:custDataLst>
-              <p:tags r:id="rId4"/>
+              <p:tags r:id="rId5"/>
             </p:custDataLst>
           </p:nvPr>
         </p:nvSpPr>
@@ -11706,7 +11706,7 @@
           <p:nvPr>
             <p:ph type="body" sz="quarter" idx="12" hasCustomPrompt="1"/>
             <p:custDataLst>
-              <p:tags r:id="rId5"/>
+              <p:tags r:id="rId6"/>
             </p:custDataLst>
           </p:nvPr>
         </p:nvSpPr>
@@ -11752,7 +11752,7 @@
           <p:nvPr>
             <p:ph type="body" sz="quarter" idx="13" hasCustomPrompt="1"/>
             <p:custDataLst>
-              <p:tags r:id="rId6"/>
+              <p:tags r:id="rId7"/>
             </p:custDataLst>
           </p:nvPr>
         </p:nvSpPr>
@@ -12662,7 +12662,7 @@
           </p:cNvGraphicFramePr>
           <p:nvPr>
             <p:custDataLst>
-              <p:tags r:id="rId1"/>
+              <p:tags r:id="rId2"/>
             </p:custDataLst>
           </p:nvPr>
         </p:nvGraphicFramePr>
@@ -12674,12 +12674,12 @@
           <a:graphicData uri="http://schemas.openxmlformats.org/presentationml/2006/ole">
             <mc:AlternateContent xmlns:mc="http://schemas.openxmlformats.org/markup-compatibility/2006">
               <mc:Choice xmlns:v="urn:schemas-microsoft-com:vml" Requires="v">
-                <p:oleObj name="think-cell Slide" r:id="rId4" imgW="360" imgH="360" progId="">
+                <p:oleObj spid="_x0000_s6148" name="think-cell Slide" r:id="rId5" imgW="360" imgH="360" progId="">
                   <p:embed/>
                 </p:oleObj>
               </mc:Choice>
               <mc:Fallback>
-                <p:oleObj name="think-cell Slide" r:id="rId4" imgW="360" imgH="360" progId="">
+                <p:oleObj name="think-cell Slide" r:id="rId5" imgW="360" imgH="360" progId="">
                   <p:embed/>
                   <p:pic>
                     <p:nvPicPr>
@@ -12690,7 +12690,7 @@
                       <p:nvPr/>
                     </p:nvPicPr>
                     <p:blipFill>
-                      <a:blip r:embed="rId5">
+                      <a:blip r:embed="rId6">
                         <a:extLst>
                           <a:ext uri="{28A0092B-C50C-407E-A947-70E740481C1C}">
                             <a14:useLocalDpi xmlns:a14="http://schemas.microsoft.com/office/drawing/2010/main" val="0"/>
@@ -12737,7 +12737,7 @@
           <p:nvPr>
             <p:ph type="title" hasCustomPrompt="1"/>
             <p:custDataLst>
-              <p:tags r:id="rId2"/>
+              <p:tags r:id="rId3"/>
             </p:custDataLst>
           </p:nvPr>
         </p:nvSpPr>
@@ -12796,7 +12796,7 @@
           </p:cNvGraphicFramePr>
           <p:nvPr>
             <p:custDataLst>
-              <p:tags r:id="rId1"/>
+              <p:tags r:id="rId2"/>
             </p:custDataLst>
           </p:nvPr>
         </p:nvGraphicFramePr>
@@ -12808,12 +12808,12 @@
           <a:graphicData uri="http://schemas.openxmlformats.org/presentationml/2006/ole">
             <mc:AlternateContent xmlns:mc="http://schemas.openxmlformats.org/markup-compatibility/2006">
               <mc:Choice xmlns:v="urn:schemas-microsoft-com:vml" Requires="v">
-                <p:oleObj name="think-cell Slide" r:id="rId3" imgW="360" imgH="360" progId="">
+                <p:oleObj spid="_x0000_s7172" name="think-cell Slide" r:id="rId4" imgW="360" imgH="360" progId="">
                   <p:embed/>
                 </p:oleObj>
               </mc:Choice>
               <mc:Fallback>
-                <p:oleObj name="think-cell Slide" r:id="rId3" imgW="360" imgH="360" progId="">
+                <p:oleObj name="think-cell Slide" r:id="rId4" imgW="360" imgH="360" progId="">
                   <p:embed/>
                   <p:pic>
                     <p:nvPicPr>
@@ -12824,7 +12824,7 @@
                       <p:nvPr/>
                     </p:nvPicPr>
                     <p:blipFill>
-                      <a:blip r:embed="rId4">
+                      <a:blip r:embed="rId5">
                         <a:extLst>
                           <a:ext uri="{28A0092B-C50C-407E-A947-70E740481C1C}">
                             <a14:useLocalDpi xmlns:a14="http://schemas.microsoft.com/office/drawing/2010/main" val="0"/>
@@ -13002,7 +13002,7 @@
             <a:fld id="{425404F2-BE9A-4460-8815-8F645183555F}" type="datetimeFigureOut">
               <a:rPr lang="en-US" smtClean="0"/>
               <a:pPr/>
-              <a:t>10/4/2021</a:t>
+              <a:t>10/12/2021</a:t>
             </a:fld>
             <a:endParaRPr lang="en-US"/>
           </a:p>
@@ -13205,7 +13205,7 @@
           </p:cNvGraphicFramePr>
           <p:nvPr>
             <p:custDataLst>
-              <p:tags r:id="rId18"/>
+              <p:tags r:id="rId19"/>
             </p:custDataLst>
           </p:nvPr>
         </p:nvGraphicFramePr>
@@ -13217,12 +13217,12 @@
           <a:graphicData uri="http://schemas.openxmlformats.org/presentationml/2006/ole">
             <mc:AlternateContent xmlns:mc="http://schemas.openxmlformats.org/markup-compatibility/2006">
               <mc:Choice xmlns:v="urn:schemas-microsoft-com:vml" Requires="v">
-                <p:oleObj name="think-cell Slide" r:id="rId24" imgW="360" imgH="360" progId="">
+                <p:oleObj spid="_x0000_s1028" name="think-cell Slide" r:id="rId25" imgW="360" imgH="360" progId="">
                   <p:embed/>
                 </p:oleObj>
               </mc:Choice>
               <mc:Fallback>
-                <p:oleObj name="think-cell Slide" r:id="rId24" imgW="360" imgH="360" progId="">
+                <p:oleObj name="think-cell Slide" r:id="rId25" imgW="360" imgH="360" progId="">
                   <p:embed/>
                   <p:pic>
                     <p:nvPicPr>
@@ -13233,7 +13233,7 @@
                       <p:nvPr/>
                     </p:nvPicPr>
                     <p:blipFill>
-                      <a:blip r:embed="rId25">
+                      <a:blip r:embed="rId26">
                         <a:extLst>
                           <a:ext uri="{28A0092B-C50C-407E-A947-70E740481C1C}">
                             <a14:useLocalDpi xmlns:a14="http://schemas.microsoft.com/office/drawing/2010/main" val="0"/>
@@ -13280,7 +13280,7 @@
           <p:nvPr>
             <p:ph type="title"/>
             <p:custDataLst>
-              <p:tags r:id="rId19"/>
+              <p:tags r:id="rId20"/>
             </p:custDataLst>
           </p:nvPr>
         </p:nvSpPr>
@@ -13316,7 +13316,7 @@
           <p:nvPr>
             <p:ph type="body" idx="1"/>
             <p:custDataLst>
-              <p:tags r:id="rId20"/>
+              <p:tags r:id="rId21"/>
             </p:custDataLst>
           </p:nvPr>
         </p:nvSpPr>
@@ -13372,7 +13372,7 @@
           </p:cNvSpPr>
           <p:nvPr>
             <p:custDataLst>
-              <p:tags r:id="rId21"/>
+              <p:tags r:id="rId22"/>
             </p:custDataLst>
           </p:nvPr>
         </p:nvSpPr>
@@ -13515,7 +13515,7 @@
           <p:cNvCxnSpPr/>
           <p:nvPr>
             <p:custDataLst>
-              <p:tags r:id="rId22"/>
+              <p:tags r:id="rId23"/>
             </p:custDataLst>
           </p:nvPr>
         </p:nvCxnSpPr>
@@ -13554,7 +13554,7 @@
           <p:cNvPr id="14" name="Groupe 1">
             <a:extLst>
               <a:ext uri="{FF2B5EF4-FFF2-40B4-BE49-F238E27FC236}">
-                <a16:creationId xmlns:a16="http://schemas.microsoft.com/office/drawing/2014/main" id="{BE8A762F-12CA-4505-8697-4A98F69D5FCE}"/>
+                <a16:creationId xmlns="" xmlns:a16="http://schemas.microsoft.com/office/drawing/2014/main" id="{BE8A762F-12CA-4505-8697-4A98F69D5FCE}"/>
               </a:ext>
             </a:extLst>
           </p:cNvPr>
@@ -13574,7 +13574,7 @@
             <p:cNvPr id="16" name="Freeform 13">
               <a:extLst>
                 <a:ext uri="{FF2B5EF4-FFF2-40B4-BE49-F238E27FC236}">
-                  <a16:creationId xmlns:a16="http://schemas.microsoft.com/office/drawing/2014/main" id="{79BDE807-C0D6-4ECC-9D72-3D5332B2877E}"/>
+                  <a16:creationId xmlns="" xmlns:a16="http://schemas.microsoft.com/office/drawing/2014/main" id="{79BDE807-C0D6-4ECC-9D72-3D5332B2877E}"/>
                 </a:ext>
               </a:extLst>
             </p:cNvPr>
@@ -13697,7 +13697,7 @@
             <p:cNvPr id="17" name="Freeform 14">
               <a:extLst>
                 <a:ext uri="{FF2B5EF4-FFF2-40B4-BE49-F238E27FC236}">
-                  <a16:creationId xmlns:a16="http://schemas.microsoft.com/office/drawing/2014/main" id="{B598BB44-5C3B-495C-AB4A-980F69B431A6}"/>
+                  <a16:creationId xmlns="" xmlns:a16="http://schemas.microsoft.com/office/drawing/2014/main" id="{B598BB44-5C3B-495C-AB4A-980F69B431A6}"/>
                 </a:ext>
               </a:extLst>
             </p:cNvPr>
@@ -13845,7 +13845,7 @@
           <p:cNvPr id="23" name="Rectangle 22">
             <a:extLst>
               <a:ext uri="{FF2B5EF4-FFF2-40B4-BE49-F238E27FC236}">
-                <a16:creationId xmlns:a16="http://schemas.microsoft.com/office/drawing/2014/main" id="{62606FCD-12D7-42E8-8885-B7F0FE845C7B}"/>
+                <a16:creationId xmlns="" xmlns:a16="http://schemas.microsoft.com/office/drawing/2014/main" id="{62606FCD-12D7-42E8-8885-B7F0FE845C7B}"/>
               </a:ext>
             </a:extLst>
           </p:cNvPr>
@@ -13854,7 +13854,7 @@
           </p:cNvSpPr>
           <p:nvPr>
             <p:custDataLst>
-              <p:tags r:id="rId23"/>
+              <p:tags r:id="rId24"/>
             </p:custDataLst>
           </p:nvPr>
         </p:nvSpPr>
@@ -13916,7 +13916,7 @@
           <p:cNvPr id="13" name="Groupe 1">
             <a:extLst>
               <a:ext uri="{FF2B5EF4-FFF2-40B4-BE49-F238E27FC236}">
-                <a16:creationId xmlns:a16="http://schemas.microsoft.com/office/drawing/2014/main" id="{577EB6A5-23DD-43BF-A208-FBE1C1F13A76}"/>
+                <a16:creationId xmlns="" xmlns:a16="http://schemas.microsoft.com/office/drawing/2014/main" id="{577EB6A5-23DD-43BF-A208-FBE1C1F13A76}"/>
               </a:ext>
             </a:extLst>
           </p:cNvPr>
@@ -13936,7 +13936,7 @@
             <p:cNvPr id="18" name="Freeform 13">
               <a:extLst>
                 <a:ext uri="{FF2B5EF4-FFF2-40B4-BE49-F238E27FC236}">
-                  <a16:creationId xmlns:a16="http://schemas.microsoft.com/office/drawing/2014/main" id="{597B2D71-85F8-4174-8C4E-DBDE45D0B841}"/>
+                  <a16:creationId xmlns="" xmlns:a16="http://schemas.microsoft.com/office/drawing/2014/main" id="{597B2D71-85F8-4174-8C4E-DBDE45D0B841}"/>
                 </a:ext>
               </a:extLst>
             </p:cNvPr>
@@ -14059,7 +14059,7 @@
             <p:cNvPr id="19" name="Freeform 14">
               <a:extLst>
                 <a:ext uri="{FF2B5EF4-FFF2-40B4-BE49-F238E27FC236}">
-                  <a16:creationId xmlns:a16="http://schemas.microsoft.com/office/drawing/2014/main" id="{F2A9CAEB-7FA0-4E03-826F-90065D089B90}"/>
+                  <a16:creationId xmlns="" xmlns:a16="http://schemas.microsoft.com/office/drawing/2014/main" id="{F2A9CAEB-7FA0-4E03-826F-90065D089B90}"/>
                 </a:ext>
               </a:extLst>
             </p:cNvPr>
@@ -14207,7 +14207,7 @@
           <p:cNvPr id="20" name="Retângulo 43">
             <a:extLst>
               <a:ext uri="{FF2B5EF4-FFF2-40B4-BE49-F238E27FC236}">
-                <a16:creationId xmlns:a16="http://schemas.microsoft.com/office/drawing/2014/main" id="{51C34C3B-8FDC-43E4-81A0-87C4A5F5A25B}"/>
+                <a16:creationId xmlns="" xmlns:a16="http://schemas.microsoft.com/office/drawing/2014/main" id="{51C34C3B-8FDC-43E4-81A0-87C4A5F5A25B}"/>
               </a:ext>
             </a:extLst>
           </p:cNvPr>
@@ -14258,7 +14258,7 @@
           <p:cNvPr id="24" name="Text Placeholder 7">
             <a:extLst>
               <a:ext uri="{FF2B5EF4-FFF2-40B4-BE49-F238E27FC236}">
-                <a16:creationId xmlns:a16="http://schemas.microsoft.com/office/drawing/2014/main" id="{09065918-DC9F-4FC9-A6E7-0161D6691529}"/>
+                <a16:creationId xmlns="" xmlns:a16="http://schemas.microsoft.com/office/drawing/2014/main" id="{09065918-DC9F-4FC9-A6E7-0161D6691529}"/>
               </a:ext>
             </a:extLst>
           </p:cNvPr>
@@ -14474,7 +14474,7 @@
           <p:cNvPr id="25" name="Groupe 2">
             <a:extLst>
               <a:ext uri="{FF2B5EF4-FFF2-40B4-BE49-F238E27FC236}">
-                <a16:creationId xmlns:a16="http://schemas.microsoft.com/office/drawing/2014/main" id="{EF148A26-2EE3-4DFF-937A-24F97B090662}"/>
+                <a16:creationId xmlns="" xmlns:a16="http://schemas.microsoft.com/office/drawing/2014/main" id="{EF148A26-2EE3-4DFF-937A-24F97B090662}"/>
               </a:ext>
             </a:extLst>
           </p:cNvPr>
@@ -14494,7 +14494,7 @@
             <p:cNvPr id="26" name="Rectangle 25">
               <a:extLst>
                 <a:ext uri="{FF2B5EF4-FFF2-40B4-BE49-F238E27FC236}">
-                  <a16:creationId xmlns:a16="http://schemas.microsoft.com/office/drawing/2014/main" id="{CF408AB1-E1E8-4614-B3EF-2F3C3368B7D0}"/>
+                  <a16:creationId xmlns="" xmlns:a16="http://schemas.microsoft.com/office/drawing/2014/main" id="{CF408AB1-E1E8-4614-B3EF-2F3C3368B7D0}"/>
                 </a:ext>
               </a:extLst>
             </p:cNvPr>
@@ -14550,7 +14550,7 @@
             <p:cNvPr id="27" name="Rectangle 26">
               <a:extLst>
                 <a:ext uri="{FF2B5EF4-FFF2-40B4-BE49-F238E27FC236}">
-                  <a16:creationId xmlns:a16="http://schemas.microsoft.com/office/drawing/2014/main" id="{AF139715-EC56-4D5B-A584-E0D83BFD79AA}"/>
+                  <a16:creationId xmlns="" xmlns:a16="http://schemas.microsoft.com/office/drawing/2014/main" id="{AF139715-EC56-4D5B-A584-E0D83BFD79AA}"/>
                 </a:ext>
               </a:extLst>
             </p:cNvPr>
@@ -14606,7 +14606,7 @@
             <p:cNvPr id="28" name="Rectangle 27">
               <a:extLst>
                 <a:ext uri="{FF2B5EF4-FFF2-40B4-BE49-F238E27FC236}">
-                  <a16:creationId xmlns:a16="http://schemas.microsoft.com/office/drawing/2014/main" id="{CC0EDB29-34F5-4978-8D83-D1ECDA27E7A6}"/>
+                  <a16:creationId xmlns="" xmlns:a16="http://schemas.microsoft.com/office/drawing/2014/main" id="{CC0EDB29-34F5-4978-8D83-D1ECDA27E7A6}"/>
                 </a:ext>
               </a:extLst>
             </p:cNvPr>
@@ -14662,7 +14662,7 @@
             <p:cNvPr id="29" name="Rectangle 28">
               <a:extLst>
                 <a:ext uri="{FF2B5EF4-FFF2-40B4-BE49-F238E27FC236}">
-                  <a16:creationId xmlns:a16="http://schemas.microsoft.com/office/drawing/2014/main" id="{3636BF1B-FF79-4731-99CF-5C8E3A808AB4}"/>
+                  <a16:creationId xmlns="" xmlns:a16="http://schemas.microsoft.com/office/drawing/2014/main" id="{3636BF1B-FF79-4731-99CF-5C8E3A808AB4}"/>
                 </a:ext>
               </a:extLst>
             </p:cNvPr>
@@ -14718,7 +14718,7 @@
             <p:cNvPr id="30" name="Rectangle 29">
               <a:extLst>
                 <a:ext uri="{FF2B5EF4-FFF2-40B4-BE49-F238E27FC236}">
-                  <a16:creationId xmlns:a16="http://schemas.microsoft.com/office/drawing/2014/main" id="{A50A5938-BCF9-47EB-AEAC-22CCE467BA4B}"/>
+                  <a16:creationId xmlns="" xmlns:a16="http://schemas.microsoft.com/office/drawing/2014/main" id="{A50A5938-BCF9-47EB-AEAC-22CCE467BA4B}"/>
                 </a:ext>
               </a:extLst>
             </p:cNvPr>
@@ -14775,7 +14775,7 @@
           <p:cNvPr id="31" name="Groupe 4">
             <a:extLst>
               <a:ext uri="{FF2B5EF4-FFF2-40B4-BE49-F238E27FC236}">
-                <a16:creationId xmlns:a16="http://schemas.microsoft.com/office/drawing/2014/main" id="{056DABC4-238C-4CD9-9F81-FACE9E275FC2}"/>
+                <a16:creationId xmlns="" xmlns:a16="http://schemas.microsoft.com/office/drawing/2014/main" id="{056DABC4-238C-4CD9-9F81-FACE9E275FC2}"/>
               </a:ext>
             </a:extLst>
           </p:cNvPr>
@@ -14795,7 +14795,7 @@
             <p:cNvPr id="32" name="Rectangle 31">
               <a:extLst>
                 <a:ext uri="{FF2B5EF4-FFF2-40B4-BE49-F238E27FC236}">
-                  <a16:creationId xmlns:a16="http://schemas.microsoft.com/office/drawing/2014/main" id="{3CF5FC82-0B0B-45D9-AC6B-62240E319CFE}"/>
+                  <a16:creationId xmlns="" xmlns:a16="http://schemas.microsoft.com/office/drawing/2014/main" id="{3CF5FC82-0B0B-45D9-AC6B-62240E319CFE}"/>
                 </a:ext>
               </a:extLst>
             </p:cNvPr>
@@ -14851,7 +14851,7 @@
             <p:cNvPr id="33" name="Rectangle 32">
               <a:extLst>
                 <a:ext uri="{FF2B5EF4-FFF2-40B4-BE49-F238E27FC236}">
-                  <a16:creationId xmlns:a16="http://schemas.microsoft.com/office/drawing/2014/main" id="{909D68DC-FC31-4F3C-B0D7-C2B6049BF80B}"/>
+                  <a16:creationId xmlns="" xmlns:a16="http://schemas.microsoft.com/office/drawing/2014/main" id="{909D68DC-FC31-4F3C-B0D7-C2B6049BF80B}"/>
                 </a:ext>
               </a:extLst>
             </p:cNvPr>
@@ -14907,7 +14907,7 @@
             <p:cNvPr id="34" name="Rectangle 33">
               <a:extLst>
                 <a:ext uri="{FF2B5EF4-FFF2-40B4-BE49-F238E27FC236}">
-                  <a16:creationId xmlns:a16="http://schemas.microsoft.com/office/drawing/2014/main" id="{8BA315A6-7849-40C0-A88A-615B2F92631B}"/>
+                  <a16:creationId xmlns="" xmlns:a16="http://schemas.microsoft.com/office/drawing/2014/main" id="{8BA315A6-7849-40C0-A88A-615B2F92631B}"/>
                 </a:ext>
               </a:extLst>
             </p:cNvPr>
@@ -14963,7 +14963,7 @@
             <p:cNvPr id="35" name="Rectangle 34">
               <a:extLst>
                 <a:ext uri="{FF2B5EF4-FFF2-40B4-BE49-F238E27FC236}">
-                  <a16:creationId xmlns:a16="http://schemas.microsoft.com/office/drawing/2014/main" id="{BF28AB79-1BA8-4AA3-AF86-133E71900E05}"/>
+                  <a16:creationId xmlns="" xmlns:a16="http://schemas.microsoft.com/office/drawing/2014/main" id="{BF28AB79-1BA8-4AA3-AF86-133E71900E05}"/>
                 </a:ext>
               </a:extLst>
             </p:cNvPr>
@@ -15019,7 +15019,7 @@
             <p:cNvPr id="36" name="Rectangle 35">
               <a:extLst>
                 <a:ext uri="{FF2B5EF4-FFF2-40B4-BE49-F238E27FC236}">
-                  <a16:creationId xmlns:a16="http://schemas.microsoft.com/office/drawing/2014/main" id="{C95D2749-34E1-48E0-9FF6-A1343E54EB93}"/>
+                  <a16:creationId xmlns="" xmlns:a16="http://schemas.microsoft.com/office/drawing/2014/main" id="{C95D2749-34E1-48E0-9FF6-A1343E54EB93}"/>
                 </a:ext>
               </a:extLst>
             </p:cNvPr>
@@ -15075,7 +15075,7 @@
             <p:cNvPr id="37" name="Rectangle 36">
               <a:extLst>
                 <a:ext uri="{FF2B5EF4-FFF2-40B4-BE49-F238E27FC236}">
-                  <a16:creationId xmlns:a16="http://schemas.microsoft.com/office/drawing/2014/main" id="{6E04FB71-8EF9-4DE6-88A2-7B3656611B43}"/>
+                  <a16:creationId xmlns="" xmlns:a16="http://schemas.microsoft.com/office/drawing/2014/main" id="{6E04FB71-8EF9-4DE6-88A2-7B3656611B43}"/>
                 </a:ext>
               </a:extLst>
             </p:cNvPr>
@@ -15131,7 +15131,7 @@
             <p:cNvPr id="38" name="Rectangle 37">
               <a:extLst>
                 <a:ext uri="{FF2B5EF4-FFF2-40B4-BE49-F238E27FC236}">
-                  <a16:creationId xmlns:a16="http://schemas.microsoft.com/office/drawing/2014/main" id="{ADD8B16A-69A7-4FBF-8FEA-813DD646001C}"/>
+                  <a16:creationId xmlns="" xmlns:a16="http://schemas.microsoft.com/office/drawing/2014/main" id="{ADD8B16A-69A7-4FBF-8FEA-813DD646001C}"/>
                 </a:ext>
               </a:extLst>
             </p:cNvPr>
@@ -15187,7 +15187,7 @@
             <p:cNvPr id="39" name="Rectangle 38">
               <a:extLst>
                 <a:ext uri="{FF2B5EF4-FFF2-40B4-BE49-F238E27FC236}">
-                  <a16:creationId xmlns:a16="http://schemas.microsoft.com/office/drawing/2014/main" id="{966F75B3-F944-4399-9689-287803F7AD06}"/>
+                  <a16:creationId xmlns="" xmlns:a16="http://schemas.microsoft.com/office/drawing/2014/main" id="{966F75B3-F944-4399-9689-287803F7AD06}"/>
                 </a:ext>
               </a:extLst>
             </p:cNvPr>
@@ -15243,7 +15243,7 @@
             <p:cNvPr id="40" name="Rectangle 39">
               <a:extLst>
                 <a:ext uri="{FF2B5EF4-FFF2-40B4-BE49-F238E27FC236}">
-                  <a16:creationId xmlns:a16="http://schemas.microsoft.com/office/drawing/2014/main" id="{2655E8E1-1AD2-4547-BF2E-8AFB86FEB3EC}"/>
+                  <a16:creationId xmlns="" xmlns:a16="http://schemas.microsoft.com/office/drawing/2014/main" id="{2655E8E1-1AD2-4547-BF2E-8AFB86FEB3EC}"/>
                 </a:ext>
               </a:extLst>
             </p:cNvPr>
@@ -15299,7 +15299,7 @@
             <p:cNvPr id="41" name="Rectangle 40">
               <a:extLst>
                 <a:ext uri="{FF2B5EF4-FFF2-40B4-BE49-F238E27FC236}">
-                  <a16:creationId xmlns:a16="http://schemas.microsoft.com/office/drawing/2014/main" id="{0FA4E70F-64E0-4B3B-B5CE-3D34B785569E}"/>
+                  <a16:creationId xmlns="" xmlns:a16="http://schemas.microsoft.com/office/drawing/2014/main" id="{0FA4E70F-64E0-4B3B-B5CE-3D34B785569E}"/>
                 </a:ext>
               </a:extLst>
             </p:cNvPr>
@@ -15355,7 +15355,7 @@
             <p:cNvPr id="42" name="Rectangle 41">
               <a:extLst>
                 <a:ext uri="{FF2B5EF4-FFF2-40B4-BE49-F238E27FC236}">
-                  <a16:creationId xmlns:a16="http://schemas.microsoft.com/office/drawing/2014/main" id="{453618A8-6B83-41B8-A9C8-5B27E916B5C8}"/>
+                  <a16:creationId xmlns="" xmlns:a16="http://schemas.microsoft.com/office/drawing/2014/main" id="{453618A8-6B83-41B8-A9C8-5B27E916B5C8}"/>
                 </a:ext>
               </a:extLst>
             </p:cNvPr>
@@ -15411,7 +15411,7 @@
             <p:cNvPr id="43" name="Rectangle 42">
               <a:extLst>
                 <a:ext uri="{FF2B5EF4-FFF2-40B4-BE49-F238E27FC236}">
-                  <a16:creationId xmlns:a16="http://schemas.microsoft.com/office/drawing/2014/main" id="{CB29D2F4-5B6A-40D7-817C-A5F6248B586D}"/>
+                  <a16:creationId xmlns="" xmlns:a16="http://schemas.microsoft.com/office/drawing/2014/main" id="{CB29D2F4-5B6A-40D7-817C-A5F6248B586D}"/>
                 </a:ext>
               </a:extLst>
             </p:cNvPr>
@@ -15467,7 +15467,7 @@
             <p:cNvPr id="44" name="Rectangle 43">
               <a:extLst>
                 <a:ext uri="{FF2B5EF4-FFF2-40B4-BE49-F238E27FC236}">
-                  <a16:creationId xmlns:a16="http://schemas.microsoft.com/office/drawing/2014/main" id="{465058F1-4FC7-42F2-9AF5-C5A15943DD1A}"/>
+                  <a16:creationId xmlns="" xmlns:a16="http://schemas.microsoft.com/office/drawing/2014/main" id="{465058F1-4FC7-42F2-9AF5-C5A15943DD1A}"/>
                 </a:ext>
               </a:extLst>
             </p:cNvPr>
@@ -15523,7 +15523,7 @@
             <p:cNvPr id="45" name="Rectangle 44">
               <a:extLst>
                 <a:ext uri="{FF2B5EF4-FFF2-40B4-BE49-F238E27FC236}">
-                  <a16:creationId xmlns:a16="http://schemas.microsoft.com/office/drawing/2014/main" id="{F74AF38E-9752-4BB7-B058-1B420ABA652F}"/>
+                  <a16:creationId xmlns="" xmlns:a16="http://schemas.microsoft.com/office/drawing/2014/main" id="{F74AF38E-9752-4BB7-B058-1B420ABA652F}"/>
                 </a:ext>
               </a:extLst>
             </p:cNvPr>
@@ -15903,7 +15903,7 @@
   </p:txStyles>
   <p:extLst>
     <p:ext uri="{27BBF7A9-308A-43DC-89C8-2F10F3537804}">
-      <p15:sldGuideLst xmlns:p15="http://schemas.microsoft.com/office/powerpoint/2012/main"/>
+      <p15:sldGuideLst xmlns="" xmlns:p15="http://schemas.microsoft.com/office/powerpoint/2012/main"/>
     </p:ext>
   </p:extLst>
 </p:sldMaster>
@@ -15942,7 +15942,7 @@
           </p:cNvGraphicFramePr>
           <p:nvPr>
             <p:custDataLst>
-              <p:tags r:id="rId12"/>
+              <p:tags r:id="rId13"/>
             </p:custDataLst>
           </p:nvPr>
         </p:nvGraphicFramePr>
@@ -15954,12 +15954,12 @@
           <a:graphicData uri="http://schemas.openxmlformats.org/presentationml/2006/ole">
             <mc:AlternateContent xmlns:mc="http://schemas.openxmlformats.org/markup-compatibility/2006">
               <mc:Choice xmlns:v="urn:schemas-microsoft-com:vml" Requires="v">
-                <p:oleObj name="think-cell Slide" r:id="rId13" imgW="270" imgH="270" progId="TCLayout.ActiveDocument.1">
+                <p:oleObj spid="_x0000_s11268" name="think-cell Slide" r:id="rId14" imgW="270" imgH="270" progId="TCLayout.ActiveDocument.1">
                   <p:embed/>
                 </p:oleObj>
               </mc:Choice>
               <mc:Fallback>
-                <p:oleObj name="think-cell Slide" r:id="rId13" imgW="270" imgH="270" progId="TCLayout.ActiveDocument.1">
+                <p:oleObj name="think-cell Slide" r:id="rId14" imgW="270" imgH="270" progId="TCLayout.ActiveDocument.1">
                   <p:embed/>
                   <p:pic>
                     <p:nvPicPr>
@@ -15970,7 +15970,7 @@
                       <p:nvPr/>
                     </p:nvPicPr>
                     <p:blipFill>
-                      <a:blip r:embed="rId14">
+                      <a:blip r:embed="rId15">
                         <a:extLst>
                           <a:ext uri="{28A0092B-C50C-407E-A947-70E740481C1C}">
                             <a14:useLocalDpi xmlns:a14="http://schemas.microsoft.com/office/drawing/2010/main" val="0"/>
@@ -16286,7 +16286,7 @@
           <p:cNvPr id="7" name="Retângulo 43">
             <a:extLst>
               <a:ext uri="{FF2B5EF4-FFF2-40B4-BE49-F238E27FC236}">
-                <a16:creationId xmlns:a16="http://schemas.microsoft.com/office/drawing/2014/main" id="{25FC8637-25BD-4C09-AF25-56B4243DAB3D}"/>
+                <a16:creationId xmlns="" xmlns:a16="http://schemas.microsoft.com/office/drawing/2014/main" id="{25FC8637-25BD-4C09-AF25-56B4243DAB3D}"/>
               </a:ext>
             </a:extLst>
           </p:cNvPr>
@@ -16337,7 +16337,7 @@
           <p:cNvPr id="6" name="Text Placeholder 7">
             <a:extLst>
               <a:ext uri="{FF2B5EF4-FFF2-40B4-BE49-F238E27FC236}">
-                <a16:creationId xmlns:a16="http://schemas.microsoft.com/office/drawing/2014/main" id="{E824319D-02CC-441E-87B5-E9D15DE8CA35}"/>
+                <a16:creationId xmlns="" xmlns:a16="http://schemas.microsoft.com/office/drawing/2014/main" id="{E824319D-02CC-441E-87B5-E9D15DE8CA35}"/>
               </a:ext>
             </a:extLst>
           </p:cNvPr>
@@ -16567,7 +16567,7 @@
           <p:cNvPr id="8" name="Text Placeholder 7">
             <a:extLst>
               <a:ext uri="{FF2B5EF4-FFF2-40B4-BE49-F238E27FC236}">
-                <a16:creationId xmlns:a16="http://schemas.microsoft.com/office/drawing/2014/main" id="{E824319D-02CC-441E-87B5-E9D15DE8CA35}"/>
+                <a16:creationId xmlns="" xmlns:a16="http://schemas.microsoft.com/office/drawing/2014/main" id="{E824319D-02CC-441E-87B5-E9D15DE8CA35}"/>
               </a:ext>
             </a:extLst>
           </p:cNvPr>
@@ -17211,7 +17211,7 @@
   </p:txStyles>
   <p:extLst>
     <p:ext uri="{27BBF7A9-308A-43DC-89C8-2F10F3537804}">
-      <p15:sldGuideLst xmlns:p15="http://schemas.microsoft.com/office/powerpoint/2012/main">
+      <p15:sldGuideLst xmlns="" xmlns:p15="http://schemas.microsoft.com/office/powerpoint/2012/main">
         <p15:guide id="1" orient="horz" pos="709">
           <p15:clr>
             <a:srgbClr val="F26B43"/>
@@ -17265,7 +17265,7 @@
           <p:cNvPr id="7170" name="Text Placeholder 18">
             <a:extLst>
               <a:ext uri="{FF2B5EF4-FFF2-40B4-BE49-F238E27FC236}">
-                <a16:creationId xmlns:a16="http://schemas.microsoft.com/office/drawing/2014/main" id="{4EF0A5D5-CB77-4BCF-86BB-EC8AFA4AA0E3}"/>
+                <a16:creationId xmlns="" xmlns:a16="http://schemas.microsoft.com/office/drawing/2014/main" id="{4EF0A5D5-CB77-4BCF-86BB-EC8AFA4AA0E3}"/>
               </a:ext>
             </a:extLst>
           </p:cNvPr>
@@ -17686,9 +17686,17 @@
                 <a:spcPct val="114000"/>
               </a:lnSpc>
             </a:pPr>
+            <a:r>
+              <a:rPr lang="en-US" altLang="nl-NL" dirty="0"/>
+              <a:t/>
+            </a:r>
             <a:br>
               <a:rPr lang="en-US" altLang="nl-NL" dirty="0"/>
             </a:br>
+            <a:r>
+              <a:rPr lang="en-US" altLang="nl-NL" dirty="0"/>
+              <a:t/>
+            </a:r>
             <a:br>
               <a:rPr lang="en-US" altLang="nl-NL" dirty="0"/>
             </a:br>
@@ -17701,7 +17709,7 @@
           <p:cNvPr id="7171" name="Text Placeholder 21">
             <a:extLst>
               <a:ext uri="{FF2B5EF4-FFF2-40B4-BE49-F238E27FC236}">
-                <a16:creationId xmlns:a16="http://schemas.microsoft.com/office/drawing/2014/main" id="{FF4CCF3B-4887-442F-A757-E5908FA1808D}"/>
+                <a16:creationId xmlns="" xmlns:a16="http://schemas.microsoft.com/office/drawing/2014/main" id="{FF4CCF3B-4887-442F-A757-E5908FA1808D}"/>
               </a:ext>
             </a:extLst>
           </p:cNvPr>
@@ -17739,7 +17747,7 @@
           <p:cNvPr id="7172" name="Text Placeholder 22">
             <a:extLst>
               <a:ext uri="{FF2B5EF4-FFF2-40B4-BE49-F238E27FC236}">
-                <a16:creationId xmlns:a16="http://schemas.microsoft.com/office/drawing/2014/main" id="{994FC039-D8C9-4401-93CE-88467263C848}"/>
+                <a16:creationId xmlns="" xmlns:a16="http://schemas.microsoft.com/office/drawing/2014/main" id="{994FC039-D8C9-4401-93CE-88467263C848}"/>
               </a:ext>
             </a:extLst>
           </p:cNvPr>
@@ -17777,7 +17785,7 @@
           <p:cNvPr id="7173" name="Text Placeholder 24">
             <a:extLst>
               <a:ext uri="{FF2B5EF4-FFF2-40B4-BE49-F238E27FC236}">
-                <a16:creationId xmlns:a16="http://schemas.microsoft.com/office/drawing/2014/main" id="{0DF2099D-8FC2-44CE-AB60-E2C2257CB05D}"/>
+                <a16:creationId xmlns="" xmlns:a16="http://schemas.microsoft.com/office/drawing/2014/main" id="{0DF2099D-8FC2-44CE-AB60-E2C2257CB05D}"/>
               </a:ext>
             </a:extLst>
           </p:cNvPr>
@@ -17817,7 +17825,7 @@
           <p:cNvPr id="7174" name="Text Placeholder 25">
             <a:extLst>
               <a:ext uri="{FF2B5EF4-FFF2-40B4-BE49-F238E27FC236}">
-                <a16:creationId xmlns:a16="http://schemas.microsoft.com/office/drawing/2014/main" id="{8B11FF61-9AA9-42E0-800D-B94AC06E095E}"/>
+                <a16:creationId xmlns="" xmlns:a16="http://schemas.microsoft.com/office/drawing/2014/main" id="{8B11FF61-9AA9-42E0-800D-B94AC06E095E}"/>
               </a:ext>
             </a:extLst>
           </p:cNvPr>
@@ -17851,7 +17859,7 @@
           <p:cNvPr id="7175" name="Text Placeholder 26">
             <a:extLst>
               <a:ext uri="{FF2B5EF4-FFF2-40B4-BE49-F238E27FC236}">
-                <a16:creationId xmlns:a16="http://schemas.microsoft.com/office/drawing/2014/main" id="{BADEA8C0-D1A3-4608-9E63-683339DCC944}"/>
+                <a16:creationId xmlns="" xmlns:a16="http://schemas.microsoft.com/office/drawing/2014/main" id="{BADEA8C0-D1A3-4608-9E63-683339DCC944}"/>
               </a:ext>
             </a:extLst>
           </p:cNvPr>
@@ -18043,7 +18051,7 @@
           <p:cNvPr id="7178" name="Text Placeholder 1">
             <a:extLst>
               <a:ext uri="{FF2B5EF4-FFF2-40B4-BE49-F238E27FC236}">
-                <a16:creationId xmlns:a16="http://schemas.microsoft.com/office/drawing/2014/main" id="{3959C7F9-3FBF-4100-BACD-7A75D3D2E90B}"/>
+                <a16:creationId xmlns="" xmlns:a16="http://schemas.microsoft.com/office/drawing/2014/main" id="{3959C7F9-3FBF-4100-BACD-7A75D3D2E90B}"/>
               </a:ext>
             </a:extLst>
           </p:cNvPr>
@@ -18077,7 +18085,7 @@
             <a:hlinkClick r:id="rId4"/>
             <a:extLst>
               <a:ext uri="{FF2B5EF4-FFF2-40B4-BE49-F238E27FC236}">
-                <a16:creationId xmlns:a16="http://schemas.microsoft.com/office/drawing/2014/main" id="{12618B16-99B6-4F89-A145-C5939A93831F}"/>
+                <a16:creationId xmlns="" xmlns:a16="http://schemas.microsoft.com/office/drawing/2014/main" id="{12618B16-99B6-4F89-A145-C5939A93831F}"/>
               </a:ext>
             </a:extLst>
           </p:cNvPr>
@@ -18087,7 +18095,7 @@
           <p:nvPr/>
         </p:nvPicPr>
         <p:blipFill>
-          <a:blip r:embed="rId5">
+          <a:blip r:embed="rId5" cstate="print">
             <a:extLst>
               <a:ext uri="{28A0092B-C50C-407E-A947-70E740481C1C}">
                 <a14:useLocalDpi xmlns:a14="http://schemas.microsoft.com/office/drawing/2010/main" val="0"/>
@@ -18101,7 +18109,7 @@
         </p:blipFill>
         <p:spPr bwMode="auto">
           <a:xfrm>
-            <a:off x="4493236" y="6363493"/>
+            <a:off x="4572000" y="6242239"/>
             <a:ext cx="471487" cy="471488"/>
           </a:xfrm>
           <a:prstGeom prst="rect">
@@ -18137,7 +18145,7 @@
           <p:cNvPr id="7180" name="TextBox 3">
             <a:extLst>
               <a:ext uri="{FF2B5EF4-FFF2-40B4-BE49-F238E27FC236}">
-                <a16:creationId xmlns:a16="http://schemas.microsoft.com/office/drawing/2014/main" id="{273FF0AF-5E94-435C-8A2A-7A7CA0FE36A6}"/>
+                <a16:creationId xmlns="" xmlns:a16="http://schemas.microsoft.com/office/drawing/2014/main" id="{273FF0AF-5E94-435C-8A2A-7A7CA0FE36A6}"/>
               </a:ext>
             </a:extLst>
           </p:cNvPr>
@@ -18324,7 +18332,7 @@
             <a:hlinkClick r:id="rId6"/>
             <a:extLst>
               <a:ext uri="{FF2B5EF4-FFF2-40B4-BE49-F238E27FC236}">
-                <a16:creationId xmlns:a16="http://schemas.microsoft.com/office/drawing/2014/main" id="{568E79A1-196A-4599-9F1F-AD39B99F1222}"/>
+                <a16:creationId xmlns="" xmlns:a16="http://schemas.microsoft.com/office/drawing/2014/main" id="{568E79A1-196A-4599-9F1F-AD39B99F1222}"/>
               </a:ext>
             </a:extLst>
           </p:cNvPr>
@@ -18334,7 +18342,7 @@
           <p:nvPr/>
         </p:nvPicPr>
         <p:blipFill>
-          <a:blip r:embed="rId7">
+          <a:blip r:embed="rId7" cstate="print">
             <a:extLst>
               <a:ext uri="{28A0092B-C50C-407E-A947-70E740481C1C}">
                 <a14:useLocalDpi xmlns:a14="http://schemas.microsoft.com/office/drawing/2010/main" val="0"/>
@@ -18384,7 +18392,7 @@
           <p:cNvPr id="7182" name="Picture 4" descr="Free icon download | Linkedin">
             <a:extLst>
               <a:ext uri="{FF2B5EF4-FFF2-40B4-BE49-F238E27FC236}">
-                <a16:creationId xmlns:a16="http://schemas.microsoft.com/office/drawing/2014/main" id="{89622B52-B834-40D0-9BA5-24EF14F2A61E}"/>
+                <a16:creationId xmlns="" xmlns:a16="http://schemas.microsoft.com/office/drawing/2014/main" id="{89622B52-B834-40D0-9BA5-24EF14F2A61E}"/>
               </a:ext>
             </a:extLst>
           </p:cNvPr>
@@ -18394,7 +18402,7 @@
           <p:nvPr/>
         </p:nvPicPr>
         <p:blipFill>
-          <a:blip r:embed="rId8">
+          <a:blip r:embed="rId8" cstate="print">
             <a:extLst>
               <a:ext uri="{28A0092B-C50C-407E-A947-70E740481C1C}">
                 <a14:useLocalDpi xmlns:a14="http://schemas.microsoft.com/office/drawing/2010/main" val="0"/>
@@ -18444,7 +18452,7 @@
           <p:cNvPr id="7183" name="Text Placeholder 25">
             <a:extLst>
               <a:ext uri="{FF2B5EF4-FFF2-40B4-BE49-F238E27FC236}">
-                <a16:creationId xmlns:a16="http://schemas.microsoft.com/office/drawing/2014/main" id="{B8C26D43-3971-4B32-9403-96D3E3AC5656}"/>
+                <a16:creationId xmlns="" xmlns:a16="http://schemas.microsoft.com/office/drawing/2014/main" id="{B8C26D43-3971-4B32-9403-96D3E3AC5656}"/>
               </a:ext>
             </a:extLst>
           </p:cNvPr>
@@ -18696,7 +18704,7 @@
           <p:cNvPr id="2" name="Table 3">
             <a:extLst>
               <a:ext uri="{FF2B5EF4-FFF2-40B4-BE49-F238E27FC236}">
-                <a16:creationId xmlns:a16="http://schemas.microsoft.com/office/drawing/2014/main" id="{B8B0DC3D-A319-4B78-A461-3FAC5C106C85}"/>
+                <a16:creationId xmlns="" xmlns:a16="http://schemas.microsoft.com/office/drawing/2014/main" id="{B8B0DC3D-A319-4B78-A461-3FAC5C106C85}"/>
               </a:ext>
             </a:extLst>
           </p:cNvPr>
@@ -18706,14 +18714,14 @@
           <p:nvPr>
             <p:extLst>
               <p:ext uri="{D42A27DB-BD31-4B8C-83A1-F6EECF244321}">
-                <p14:modId xmlns:p14="http://schemas.microsoft.com/office/powerpoint/2010/main" val="3348302751"/>
+                <p14:modId xmlns:p14="http://schemas.microsoft.com/office/powerpoint/2010/main" val="3762775518"/>
               </p:ext>
             </p:extLst>
           </p:nvPr>
         </p:nvGraphicFramePr>
         <p:xfrm>
           <a:off x="9231981" y="1223078"/>
-          <a:ext cx="2960019" cy="5346595"/>
+          <a:ext cx="2960019" cy="5070420"/>
         </p:xfrm>
         <a:graphic>
           <a:graphicData uri="http://schemas.openxmlformats.org/drawingml/2006/table">
@@ -18722,17 +18730,17 @@
                 <a:tableStyleId>{0E3FDE45-AF77-4B5C-9715-49D594BDF05E}</a:tableStyleId>
               </a:tblPr>
               <a:tblGrid>
-                <a:gridCol w="496551">
+                <a:gridCol w="750219">
                   <a:extLst>
                     <a:ext uri="{9D8B030D-6E8A-4147-A177-3AD203B41FA5}">
-                      <a16:colId xmlns:a16="http://schemas.microsoft.com/office/drawing/2014/main" val="3331298770"/>
+                      <a16:colId xmlns="" xmlns:a16="http://schemas.microsoft.com/office/drawing/2014/main" val="3331298770"/>
                     </a:ext>
                   </a:extLst>
                 </a:gridCol>
-                <a:gridCol w="2463468">
+                <a:gridCol w="2209800">
                   <a:extLst>
                     <a:ext uri="{9D8B030D-6E8A-4147-A177-3AD203B41FA5}">
-                      <a16:colId xmlns:a16="http://schemas.microsoft.com/office/drawing/2014/main" val="879084521"/>
+                      <a16:colId xmlns="" xmlns:a16="http://schemas.microsoft.com/office/drawing/2014/main" val="879084521"/>
                     </a:ext>
                   </a:extLst>
                 </a:gridCol>
@@ -18849,7 +18857,7 @@
                 </a:tc>
                 <a:extLst>
                   <a:ext uri="{0D108BD9-81ED-4DB2-BD59-A6C34878D82A}">
-                    <a16:rowId xmlns:a16="http://schemas.microsoft.com/office/drawing/2014/main" val="3727898659"/>
+                    <a16:rowId xmlns="" xmlns:a16="http://schemas.microsoft.com/office/drawing/2014/main" val="3727898659"/>
                   </a:ext>
                 </a:extLst>
               </a:tr>
@@ -18941,7 +18949,7 @@
                 </a:tc>
                 <a:extLst>
                   <a:ext uri="{0D108BD9-81ED-4DB2-BD59-A6C34878D82A}">
-                    <a16:rowId xmlns:a16="http://schemas.microsoft.com/office/drawing/2014/main" val="3294054581"/>
+                    <a16:rowId xmlns="" xmlns:a16="http://schemas.microsoft.com/office/drawing/2014/main" val="3294054581"/>
                   </a:ext>
                 </a:extLst>
               </a:tr>
@@ -19036,7 +19044,7 @@
                 </a:tc>
                 <a:extLst>
                   <a:ext uri="{0D108BD9-81ED-4DB2-BD59-A6C34878D82A}">
-                    <a16:rowId xmlns:a16="http://schemas.microsoft.com/office/drawing/2014/main" val="3229840877"/>
+                    <a16:rowId xmlns="" xmlns:a16="http://schemas.microsoft.com/office/drawing/2014/main" val="3229840877"/>
                   </a:ext>
                 </a:extLst>
               </a:tr>
@@ -19112,7 +19120,7 @@
                 </a:tc>
                 <a:extLst>
                   <a:ext uri="{0D108BD9-81ED-4DB2-BD59-A6C34878D82A}">
-                    <a16:rowId xmlns:a16="http://schemas.microsoft.com/office/drawing/2014/main" val="668073409"/>
+                    <a16:rowId xmlns="" xmlns:a16="http://schemas.microsoft.com/office/drawing/2014/main" val="668073409"/>
                   </a:ext>
                 </a:extLst>
               </a:tr>
@@ -19187,7 +19195,7 @@
                 </a:tc>
                 <a:extLst>
                   <a:ext uri="{0D108BD9-81ED-4DB2-BD59-A6C34878D82A}">
-                    <a16:rowId xmlns:a16="http://schemas.microsoft.com/office/drawing/2014/main" val="2135133130"/>
+                    <a16:rowId xmlns="" xmlns:a16="http://schemas.microsoft.com/office/drawing/2014/main" val="2135133130"/>
                   </a:ext>
                 </a:extLst>
               </a:tr>
@@ -19332,7 +19340,7 @@
                 </a:tc>
                 <a:extLst>
                   <a:ext uri="{0D108BD9-81ED-4DB2-BD59-A6C34878D82A}">
-                    <a16:rowId xmlns:a16="http://schemas.microsoft.com/office/drawing/2014/main" val="2978295346"/>
+                    <a16:rowId xmlns="" xmlns:a16="http://schemas.microsoft.com/office/drawing/2014/main" val="2978295346"/>
                   </a:ext>
                 </a:extLst>
               </a:tr>
@@ -19409,7 +19417,7 @@
                 </a:tc>
                 <a:extLst>
                   <a:ext uri="{0D108BD9-81ED-4DB2-BD59-A6C34878D82A}">
-                    <a16:rowId xmlns:a16="http://schemas.microsoft.com/office/drawing/2014/main" val="3158575213"/>
+                    <a16:rowId xmlns="" xmlns:a16="http://schemas.microsoft.com/office/drawing/2014/main" val="3158575213"/>
                   </a:ext>
                 </a:extLst>
               </a:tr>
@@ -19521,7 +19529,7 @@
                 </a:tc>
                 <a:extLst>
                   <a:ext uri="{0D108BD9-81ED-4DB2-BD59-A6C34878D82A}">
-                    <a16:rowId xmlns:a16="http://schemas.microsoft.com/office/drawing/2014/main" val="2298680090"/>
+                    <a16:rowId xmlns="" xmlns:a16="http://schemas.microsoft.com/office/drawing/2014/main" val="2298680090"/>
                   </a:ext>
                 </a:extLst>
               </a:tr>
@@ -19607,7 +19615,7 @@
                 </a:tc>
                 <a:extLst>
                   <a:ext uri="{0D108BD9-81ED-4DB2-BD59-A6C34878D82A}">
-                    <a16:rowId xmlns:a16="http://schemas.microsoft.com/office/drawing/2014/main" val="9512774"/>
+                    <a16:rowId xmlns="" xmlns:a16="http://schemas.microsoft.com/office/drawing/2014/main" val="9512774"/>
                   </a:ext>
                 </a:extLst>
               </a:tr>
@@ -19697,7 +19705,7 @@
                 </a:tc>
                 <a:extLst>
                   <a:ext uri="{0D108BD9-81ED-4DB2-BD59-A6C34878D82A}">
-                    <a16:rowId xmlns:a16="http://schemas.microsoft.com/office/drawing/2014/main" val="645317192"/>
+                    <a16:rowId xmlns="" xmlns:a16="http://schemas.microsoft.com/office/drawing/2014/main" val="645317192"/>
                   </a:ext>
                 </a:extLst>
               </a:tr>
@@ -19756,7 +19764,7 @@
                 </a:tc>
                 <a:extLst>
                   <a:ext uri="{0D108BD9-81ED-4DB2-BD59-A6C34878D82A}">
-                    <a16:rowId xmlns:a16="http://schemas.microsoft.com/office/drawing/2014/main" val="2840432058"/>
+                    <a16:rowId xmlns="" xmlns:a16="http://schemas.microsoft.com/office/drawing/2014/main" val="2840432058"/>
                   </a:ext>
                 </a:extLst>
               </a:tr>
@@ -19769,7 +19777,7 @@
           <p:cNvPr id="5" name="Rectangle 4">
             <a:extLst>
               <a:ext uri="{FF2B5EF4-FFF2-40B4-BE49-F238E27FC236}">
-                <a16:creationId xmlns:a16="http://schemas.microsoft.com/office/drawing/2014/main" id="{4E726CED-1BAF-414A-893B-4626E9B6F2B4}"/>
+                <a16:creationId xmlns="" xmlns:a16="http://schemas.microsoft.com/office/drawing/2014/main" id="{4E726CED-1BAF-414A-893B-4626E9B6F2B4}"/>
               </a:ext>
             </a:extLst>
           </p:cNvPr>
@@ -19831,7 +19839,7 @@
           <p:cNvPr id="6" name="Rectangle 5">
             <a:extLst>
               <a:ext uri="{FF2B5EF4-FFF2-40B4-BE49-F238E27FC236}">
-                <a16:creationId xmlns:a16="http://schemas.microsoft.com/office/drawing/2014/main" id="{1616387D-79C4-4D2C-8F4C-617036B1459A}"/>
+                <a16:creationId xmlns="" xmlns:a16="http://schemas.microsoft.com/office/drawing/2014/main" id="{1616387D-79C4-4D2C-8F4C-617036B1459A}"/>
               </a:ext>
             </a:extLst>
           </p:cNvPr>
@@ -19871,7 +19879,7 @@
           <p:cNvPr id="11" name="Picture Placeholder 10" descr="A person smiling for the camera&#10;&#10;Description automatically generated with medium confidence">
             <a:extLst>
               <a:ext uri="{FF2B5EF4-FFF2-40B4-BE49-F238E27FC236}">
-                <a16:creationId xmlns:a16="http://schemas.microsoft.com/office/drawing/2014/main" id="{EBA4D0CE-D455-47ED-AF11-1831B1204698}"/>
+                <a16:creationId xmlns="" xmlns:a16="http://schemas.microsoft.com/office/drawing/2014/main" id="{EBA4D0CE-D455-47ED-AF11-1831B1204698}"/>
               </a:ext>
             </a:extLst>
           </p:cNvPr>
@@ -20652,7 +20660,7 @@
   <a:extraClrSchemeLst/>
   <a:extLst>
     <a:ext uri="{05A4C25C-085E-4340-85A3-A5531E510DB2}">
-      <thm15:themeFamily xmlns:thm15="http://schemas.microsoft.com/office/thememl/2012/main" name="ppt-template.potx" id="{19B96144-1B90-4243-8535-F36EF2586247}" vid="{2C859F1C-AF6F-49E9-BAD6-1D458EC0F9B7}"/>
+      <thm15:themeFamily xmlns="" xmlns:thm15="http://schemas.microsoft.com/office/thememl/2012/main" name="ppt-template.potx" id="{19B96144-1B90-4243-8535-F36EF2586247}" vid="{2C859F1C-AF6F-49E9-BAD6-1D458EC0F9B7}"/>
     </a:ext>
   </a:extLst>
 </a:theme>
@@ -20853,7 +20861,7 @@
   <a:extraClrSchemeLst/>
   <a:extLst>
     <a:ext uri="{05A4C25C-085E-4340-85A3-A5531E510DB2}">
-      <thm15:themeFamily xmlns:thm15="http://schemas.microsoft.com/office/thememl/2012/main" name="Office Theme" id="{62F939B6-93AF-4DB8-9C6B-D6C7DFDC589F}" vid="{4A3C46E8-61CC-4603-A589-7422A47A8E4A}"/>
+      <thm15:themeFamily xmlns="" xmlns:thm15="http://schemas.microsoft.com/office/thememl/2012/main" name="Office Theme" id="{62F939B6-93AF-4DB8-9C6B-D6C7DFDC589F}" vid="{4A3C46E8-61CC-4603-A589-7422A47A8E4A}"/>
     </a:ext>
   </a:extLst>
 </a:theme>
@@ -21054,7 +21062,7 @@
   <a:extraClrSchemeLst/>
   <a:extLst>
     <a:ext uri="{05A4C25C-085E-4340-85A3-A5531E510DB2}">
-      <thm15:themeFamily xmlns:thm15="http://schemas.microsoft.com/office/thememl/2012/main" name="Office Theme" id="{62F939B6-93AF-4DB8-9C6B-D6C7DFDC589F}" vid="{4A3C46E8-61CC-4603-A589-7422A47A8E4A}"/>
+      <thm15:themeFamily xmlns="" xmlns:thm15="http://schemas.microsoft.com/office/thememl/2012/main" name="Office Theme" id="{62F939B6-93AF-4DB8-9C6B-D6C7DFDC589F}" vid="{4A3C46E8-61CC-4603-A589-7422A47A8E4A}"/>
     </a:ext>
   </a:extLst>
 </a:theme>
